--- a/doc/Design Note - Teleboard.pptx
+++ b/doc/Design Note - Teleboard.pptx
@@ -259,7 +259,7 @@
           <a:p>
             <a:fld id="{436FB6E3-5D8B-406C-9076-B29BD2B6DA25}" type="datetimeFigureOut">
               <a:rPr lang="zh-TW" altLang="en-US" smtClean="0"/>
-              <a:t>2015/7/29</a:t>
+              <a:t>2015/7/28</a:t>
             </a:fld>
             <a:endParaRPr lang="zh-TW" altLang="en-US"/>
           </a:p>
@@ -429,7 +429,7 @@
           <a:p>
             <a:fld id="{436FB6E3-5D8B-406C-9076-B29BD2B6DA25}" type="datetimeFigureOut">
               <a:rPr lang="zh-TW" altLang="en-US" smtClean="0"/>
-              <a:t>2015/7/29</a:t>
+              <a:t>2015/7/28</a:t>
             </a:fld>
             <a:endParaRPr lang="zh-TW" altLang="en-US"/>
           </a:p>
@@ -609,7 +609,7 @@
           <a:p>
             <a:fld id="{436FB6E3-5D8B-406C-9076-B29BD2B6DA25}" type="datetimeFigureOut">
               <a:rPr lang="zh-TW" altLang="en-US" smtClean="0"/>
-              <a:t>2015/7/29</a:t>
+              <a:t>2015/7/28</a:t>
             </a:fld>
             <a:endParaRPr lang="zh-TW" altLang="en-US"/>
           </a:p>
@@ -779,7 +779,7 @@
           <a:p>
             <a:fld id="{436FB6E3-5D8B-406C-9076-B29BD2B6DA25}" type="datetimeFigureOut">
               <a:rPr lang="zh-TW" altLang="en-US" smtClean="0"/>
-              <a:t>2015/7/29</a:t>
+              <a:t>2015/7/28</a:t>
             </a:fld>
             <a:endParaRPr lang="zh-TW" altLang="en-US"/>
           </a:p>
@@ -1025,7 +1025,7 @@
           <a:p>
             <a:fld id="{436FB6E3-5D8B-406C-9076-B29BD2B6DA25}" type="datetimeFigureOut">
               <a:rPr lang="zh-TW" altLang="en-US" smtClean="0"/>
-              <a:t>2015/7/29</a:t>
+              <a:t>2015/7/28</a:t>
             </a:fld>
             <a:endParaRPr lang="zh-TW" altLang="en-US"/>
           </a:p>
@@ -1257,7 +1257,7 @@
           <a:p>
             <a:fld id="{436FB6E3-5D8B-406C-9076-B29BD2B6DA25}" type="datetimeFigureOut">
               <a:rPr lang="zh-TW" altLang="en-US" smtClean="0"/>
-              <a:t>2015/7/29</a:t>
+              <a:t>2015/7/28</a:t>
             </a:fld>
             <a:endParaRPr lang="zh-TW" altLang="en-US"/>
           </a:p>
@@ -1624,7 +1624,7 @@
           <a:p>
             <a:fld id="{436FB6E3-5D8B-406C-9076-B29BD2B6DA25}" type="datetimeFigureOut">
               <a:rPr lang="zh-TW" altLang="en-US" smtClean="0"/>
-              <a:t>2015/7/29</a:t>
+              <a:t>2015/7/28</a:t>
             </a:fld>
             <a:endParaRPr lang="zh-TW" altLang="en-US"/>
           </a:p>
@@ -1742,7 +1742,7 @@
           <a:p>
             <a:fld id="{436FB6E3-5D8B-406C-9076-B29BD2B6DA25}" type="datetimeFigureOut">
               <a:rPr lang="zh-TW" altLang="en-US" smtClean="0"/>
-              <a:t>2015/7/29</a:t>
+              <a:t>2015/7/28</a:t>
             </a:fld>
             <a:endParaRPr lang="zh-TW" altLang="en-US"/>
           </a:p>
@@ -1837,7 +1837,7 @@
           <a:p>
             <a:fld id="{436FB6E3-5D8B-406C-9076-B29BD2B6DA25}" type="datetimeFigureOut">
               <a:rPr lang="zh-TW" altLang="en-US" smtClean="0"/>
-              <a:t>2015/7/29</a:t>
+              <a:t>2015/7/28</a:t>
             </a:fld>
             <a:endParaRPr lang="zh-TW" altLang="en-US"/>
           </a:p>
@@ -2114,7 +2114,7 @@
           <a:p>
             <a:fld id="{436FB6E3-5D8B-406C-9076-B29BD2B6DA25}" type="datetimeFigureOut">
               <a:rPr lang="zh-TW" altLang="en-US" smtClean="0"/>
-              <a:t>2015/7/29</a:t>
+              <a:t>2015/7/28</a:t>
             </a:fld>
             <a:endParaRPr lang="zh-TW" altLang="en-US"/>
           </a:p>
@@ -2367,7 +2367,7 @@
           <a:p>
             <a:fld id="{436FB6E3-5D8B-406C-9076-B29BD2B6DA25}" type="datetimeFigureOut">
               <a:rPr lang="zh-TW" altLang="en-US" smtClean="0"/>
-              <a:t>2015/7/29</a:t>
+              <a:t>2015/7/28</a:t>
             </a:fld>
             <a:endParaRPr lang="zh-TW" altLang="en-US"/>
           </a:p>
@@ -2580,7 +2580,7 @@
           <a:p>
             <a:fld id="{436FB6E3-5D8B-406C-9076-B29BD2B6DA25}" type="datetimeFigureOut">
               <a:rPr lang="zh-TW" altLang="en-US" smtClean="0"/>
-              <a:t>2015/7/29</a:t>
+              <a:t>2015/7/28</a:t>
             </a:fld>
             <a:endParaRPr lang="zh-TW" altLang="en-US"/>
           </a:p>
@@ -3006,7 +3006,11 @@
             </a:r>
             <a:r>
               <a:rPr lang="en-US" altLang="zh-CN" dirty="0" smtClean="0"/>
-              <a:t> Design Note</a:t>
+              <a:t> Design </a:t>
+            </a:r>
+            <a:r>
+              <a:rPr lang="en-US" altLang="zh-CN" dirty="0" smtClean="0"/>
+              <a:t>Note</a:t>
             </a:r>
             <a:endParaRPr lang="zh-TW" altLang="en-US" dirty="0"/>
           </a:p>
@@ -3427,15 +3431,11 @@
             </a:r>
             <a:r>
               <a:rPr lang="en-US" altLang="zh-TW" dirty="0" err="1" smtClean="0"/>
-              <a:t>Teleboard</a:t>
+              <a:t>ShareBoard</a:t>
             </a:r>
             <a:r>
               <a:rPr lang="en-US" altLang="zh-TW" dirty="0" smtClean="0"/>
-              <a:t> </a:t>
-            </a:r>
-            <a:r>
-              <a:rPr lang="en-US" altLang="zh-TW" dirty="0" smtClean="0"/>
-              <a:t>page identified by session ID.</a:t>
+              <a:t> page identified by session ID.</a:t>
             </a:r>
           </a:p>
           <a:p>
@@ -3445,15 +3445,11 @@
             </a:r>
             <a:r>
               <a:rPr lang="en-US" altLang="zh-TW" dirty="0" err="1" smtClean="0"/>
-              <a:t>Teleboard</a:t>
+              <a:t>ShareBoard</a:t>
             </a:r>
             <a:r>
               <a:rPr lang="en-US" altLang="zh-TW" dirty="0" smtClean="0"/>
-              <a:t> </a:t>
-            </a:r>
-            <a:r>
-              <a:rPr lang="en-US" altLang="zh-TW" dirty="0" smtClean="0"/>
-              <a:t>will be translated into a (series) action event and submitted to the server with AJAX.</a:t>
+              <a:t> will be translated into a (series) action event and submitted to the server with AJAX.</a:t>
             </a:r>
           </a:p>
           <a:p>
@@ -3853,7 +3849,13 @@
               <a:rPr lang="en-US" altLang="zh-TW" dirty="0" smtClean="0">
                 <a:hlinkClick r:id="rId3"/>
               </a:rPr>
-              <a:t>http://blog.tonycube.com/2012/02/html5-canvas-1-canvas.html</a:t>
+              <a:t>http://</a:t>
+            </a:r>
+            <a:r>
+              <a:rPr lang="en-US" altLang="zh-TW" dirty="0" smtClean="0">
+                <a:hlinkClick r:id="rId3"/>
+              </a:rPr>
+              <a:t>blog.tonycube.com/2012/02/html5-canvas-1-canvas.html</a:t>
             </a:r>
             <a:endParaRPr lang="en-US" altLang="zh-TW" dirty="0" smtClean="0"/>
           </a:p>

--- a/doc/Design Note - Teleboard.pptx
+++ b/doc/Design Note - Teleboard.pptx
@@ -259,7 +259,7 @@
           <a:p>
             <a:fld id="{436FB6E3-5D8B-406C-9076-B29BD2B6DA25}" type="datetimeFigureOut">
               <a:rPr lang="zh-TW" altLang="en-US" smtClean="0"/>
-              <a:t>2015/7/28</a:t>
+              <a:t>2015/8/25</a:t>
             </a:fld>
             <a:endParaRPr lang="zh-TW" altLang="en-US"/>
           </a:p>
@@ -429,7 +429,7 @@
           <a:p>
             <a:fld id="{436FB6E3-5D8B-406C-9076-B29BD2B6DA25}" type="datetimeFigureOut">
               <a:rPr lang="zh-TW" altLang="en-US" smtClean="0"/>
-              <a:t>2015/7/28</a:t>
+              <a:t>2015/8/25</a:t>
             </a:fld>
             <a:endParaRPr lang="zh-TW" altLang="en-US"/>
           </a:p>
@@ -609,7 +609,7 @@
           <a:p>
             <a:fld id="{436FB6E3-5D8B-406C-9076-B29BD2B6DA25}" type="datetimeFigureOut">
               <a:rPr lang="zh-TW" altLang="en-US" smtClean="0"/>
-              <a:t>2015/7/28</a:t>
+              <a:t>2015/8/25</a:t>
             </a:fld>
             <a:endParaRPr lang="zh-TW" altLang="en-US"/>
           </a:p>
@@ -779,7 +779,7 @@
           <a:p>
             <a:fld id="{436FB6E3-5D8B-406C-9076-B29BD2B6DA25}" type="datetimeFigureOut">
               <a:rPr lang="zh-TW" altLang="en-US" smtClean="0"/>
-              <a:t>2015/7/28</a:t>
+              <a:t>2015/8/25</a:t>
             </a:fld>
             <a:endParaRPr lang="zh-TW" altLang="en-US"/>
           </a:p>
@@ -1025,7 +1025,7 @@
           <a:p>
             <a:fld id="{436FB6E3-5D8B-406C-9076-B29BD2B6DA25}" type="datetimeFigureOut">
               <a:rPr lang="zh-TW" altLang="en-US" smtClean="0"/>
-              <a:t>2015/7/28</a:t>
+              <a:t>2015/8/25</a:t>
             </a:fld>
             <a:endParaRPr lang="zh-TW" altLang="en-US"/>
           </a:p>
@@ -1257,7 +1257,7 @@
           <a:p>
             <a:fld id="{436FB6E3-5D8B-406C-9076-B29BD2B6DA25}" type="datetimeFigureOut">
               <a:rPr lang="zh-TW" altLang="en-US" smtClean="0"/>
-              <a:t>2015/7/28</a:t>
+              <a:t>2015/8/25</a:t>
             </a:fld>
             <a:endParaRPr lang="zh-TW" altLang="en-US"/>
           </a:p>
@@ -1624,7 +1624,7 @@
           <a:p>
             <a:fld id="{436FB6E3-5D8B-406C-9076-B29BD2B6DA25}" type="datetimeFigureOut">
               <a:rPr lang="zh-TW" altLang="en-US" smtClean="0"/>
-              <a:t>2015/7/28</a:t>
+              <a:t>2015/8/25</a:t>
             </a:fld>
             <a:endParaRPr lang="zh-TW" altLang="en-US"/>
           </a:p>
@@ -1742,7 +1742,7 @@
           <a:p>
             <a:fld id="{436FB6E3-5D8B-406C-9076-B29BD2B6DA25}" type="datetimeFigureOut">
               <a:rPr lang="zh-TW" altLang="en-US" smtClean="0"/>
-              <a:t>2015/7/28</a:t>
+              <a:t>2015/8/25</a:t>
             </a:fld>
             <a:endParaRPr lang="zh-TW" altLang="en-US"/>
           </a:p>
@@ -1837,7 +1837,7 @@
           <a:p>
             <a:fld id="{436FB6E3-5D8B-406C-9076-B29BD2B6DA25}" type="datetimeFigureOut">
               <a:rPr lang="zh-TW" altLang="en-US" smtClean="0"/>
-              <a:t>2015/7/28</a:t>
+              <a:t>2015/8/25</a:t>
             </a:fld>
             <a:endParaRPr lang="zh-TW" altLang="en-US"/>
           </a:p>
@@ -2114,7 +2114,7 @@
           <a:p>
             <a:fld id="{436FB6E3-5D8B-406C-9076-B29BD2B6DA25}" type="datetimeFigureOut">
               <a:rPr lang="zh-TW" altLang="en-US" smtClean="0"/>
-              <a:t>2015/7/28</a:t>
+              <a:t>2015/8/25</a:t>
             </a:fld>
             <a:endParaRPr lang="zh-TW" altLang="en-US"/>
           </a:p>
@@ -2367,7 +2367,7 @@
           <a:p>
             <a:fld id="{436FB6E3-5D8B-406C-9076-B29BD2B6DA25}" type="datetimeFigureOut">
               <a:rPr lang="zh-TW" altLang="en-US" smtClean="0"/>
-              <a:t>2015/7/28</a:t>
+              <a:t>2015/8/25</a:t>
             </a:fld>
             <a:endParaRPr lang="zh-TW" altLang="en-US"/>
           </a:p>
@@ -2580,7 +2580,7 @@
           <a:p>
             <a:fld id="{436FB6E3-5D8B-406C-9076-B29BD2B6DA25}" type="datetimeFigureOut">
               <a:rPr lang="zh-TW" altLang="en-US" smtClean="0"/>
-              <a:t>2015/7/28</a:t>
+              <a:t>2015/8/25</a:t>
             </a:fld>
             <a:endParaRPr lang="zh-TW" altLang="en-US"/>
           </a:p>
@@ -3006,11 +3006,7 @@
             </a:r>
             <a:r>
               <a:rPr lang="en-US" altLang="zh-CN" dirty="0" smtClean="0"/>
-              <a:t> Design </a:t>
-            </a:r>
-            <a:r>
-              <a:rPr lang="en-US" altLang="zh-CN" dirty="0" smtClean="0"/>
-              <a:t>Note</a:t>
+              <a:t> Design Note</a:t>
             </a:r>
             <a:endParaRPr lang="zh-TW" altLang="en-US" dirty="0"/>
           </a:p>
@@ -3018,7 +3014,78 @@
       </p:sp>
       <p:sp>
         <p:nvSpPr>
-          <p:cNvPr id="3" name="副标题 2"/>
+          <p:cNvPr id="4" name="文本框 3"/>
+          <p:cNvSpPr txBox="1"/>
+          <p:nvPr/>
+        </p:nvSpPr>
+        <p:spPr>
+          <a:xfrm>
+            <a:off x="4606413" y="5185647"/>
+            <a:ext cx="2979174" cy="830997"/>
+          </a:xfrm>
+          <a:prstGeom prst="rect">
+            <a:avLst/>
+          </a:prstGeom>
+          <a:noFill/>
+        </p:spPr>
+        <p:txBody>
+          <a:bodyPr wrap="square" rtlCol="0">
+            <a:spAutoFit/>
+          </a:bodyPr>
+          <a:lstStyle/>
+          <a:p>
+            <a:pPr algn="ctr"/>
+            <a:r>
+              <a:rPr lang="en-US" altLang="zh-CN" sz="4800" dirty="0" smtClean="0">
+                <a:solidFill>
+                  <a:srgbClr val="0070C0"/>
+                </a:solidFill>
+                <a:latin typeface="Forte" panose="03060902040502070203" pitchFamily="66" charset="0"/>
+              </a:rPr>
+              <a:t>Gather</a:t>
+            </a:r>
+            <a:r>
+              <a:rPr lang="en-US" altLang="zh-CN" sz="4800" dirty="0" smtClean="0">
+                <a:solidFill>
+                  <a:srgbClr val="FF0000"/>
+                </a:solidFill>
+                <a:latin typeface="Forte" panose="03060902040502070203" pitchFamily="66" charset="0"/>
+              </a:rPr>
+              <a:t>H</a:t>
+            </a:r>
+            <a:r>
+              <a:rPr lang="en-US" altLang="zh-CN" sz="4800" dirty="0" smtClean="0">
+                <a:solidFill>
+                  <a:schemeClr val="accent4">
+                    <a:lumMod val="60000"/>
+                    <a:lumOff val="40000"/>
+                  </a:schemeClr>
+                </a:solidFill>
+                <a:latin typeface="Forte" panose="03060902040502070203" pitchFamily="66" charset="0"/>
+              </a:rPr>
+              <a:t>u</a:t>
+            </a:r>
+            <a:r>
+              <a:rPr lang="en-US" altLang="zh-CN" sz="4800" dirty="0" smtClean="0">
+                <a:solidFill>
+                  <a:srgbClr val="00B050"/>
+                </a:solidFill>
+                <a:latin typeface="Forte" panose="03060902040502070203" pitchFamily="66" charset="0"/>
+              </a:rPr>
+              <a:t>b</a:t>
+            </a:r>
+            <a:endParaRPr lang="zh-TW" altLang="en-US" dirty="0">
+              <a:solidFill>
+                <a:srgbClr val="00B050"/>
+              </a:solidFill>
+              <a:latin typeface="Forte" panose="03060902040502070203" pitchFamily="66" charset="0"/>
+            </a:endParaRPr>
+          </a:p>
+        </p:txBody>
+      </p:sp>
+      <p:sp>
+        <p:nvSpPr>
+          <p:cNvPr id="5" name="副标题 4"/>
           <p:cNvSpPr>
             <a:spLocks noGrp="1"/>
           </p:cNvSpPr>
@@ -3031,11 +3098,7 @@
           <a:bodyPr/>
           <a:lstStyle/>
           <a:p>
-            <a:r>
-              <a:rPr lang="en-US" altLang="zh-CN" dirty="0" smtClean="0"/>
-              <a:t>The GATHEROOM Project</a:t>
-            </a:r>
-            <a:endParaRPr lang="zh-TW" altLang="en-US" dirty="0"/>
+            <a:endParaRPr lang="zh-TW" altLang="en-US"/>
           </a:p>
         </p:txBody>
       </p:sp>
@@ -3849,13 +3912,7 @@
               <a:rPr lang="en-US" altLang="zh-TW" dirty="0" smtClean="0">
                 <a:hlinkClick r:id="rId3"/>
               </a:rPr>
-              <a:t>http://</a:t>
-            </a:r>
-            <a:r>
-              <a:rPr lang="en-US" altLang="zh-TW" dirty="0" smtClean="0">
-                <a:hlinkClick r:id="rId3"/>
-              </a:rPr>
-              <a:t>blog.tonycube.com/2012/02/html5-canvas-1-canvas.html</a:t>
+              <a:t>http://blog.tonycube.com/2012/02/html5-canvas-1-canvas.html</a:t>
             </a:r>
             <a:endParaRPr lang="en-US" altLang="zh-TW" dirty="0" smtClean="0"/>
           </a:p>
@@ -3982,7 +4039,15 @@
             </a:r>
             <a:r>
               <a:rPr lang="en-US" altLang="zh-TW" dirty="0" smtClean="0"/>
-              <a:t> is one feature of the GATHEROOM project which is to provide an online white board application for people and community who has the demand for interactive online discussion, education, or presentation from different location.</a:t>
+              <a:t> is one feature of the </a:t>
+            </a:r>
+            <a:r>
+              <a:rPr lang="en-US" altLang="zh-TW" dirty="0" smtClean="0"/>
+              <a:t>GatherHub project </a:t>
+            </a:r>
+            <a:r>
+              <a:rPr lang="en-US" altLang="zh-TW" dirty="0" smtClean="0"/>
+              <a:t>which is to provide an online white board application for people and community who has the demand for interactive online discussion, education, or presentation from different location.</a:t>
             </a:r>
           </a:p>
           <a:p>

--- a/doc/Design Note - Teleboard.pptx
+++ b/doc/Design Note - Teleboard.pptx
@@ -7,21 +7,22 @@
   <p:sldIdLst>
     <p:sldId id="256" r:id="rId2"/>
     <p:sldId id="274" r:id="rId3"/>
-    <p:sldId id="275" r:id="rId4"/>
-    <p:sldId id="257" r:id="rId5"/>
-    <p:sldId id="258" r:id="rId6"/>
-    <p:sldId id="259" r:id="rId7"/>
-    <p:sldId id="260" r:id="rId8"/>
-    <p:sldId id="261" r:id="rId9"/>
-    <p:sldId id="265" r:id="rId10"/>
-    <p:sldId id="264" r:id="rId11"/>
-    <p:sldId id="262" r:id="rId12"/>
-    <p:sldId id="263" r:id="rId13"/>
-    <p:sldId id="266" r:id="rId14"/>
-    <p:sldId id="272" r:id="rId15"/>
-    <p:sldId id="267" r:id="rId16"/>
-    <p:sldId id="268" r:id="rId17"/>
-    <p:sldId id="271" r:id="rId18"/>
+    <p:sldId id="276" r:id="rId4"/>
+    <p:sldId id="275" r:id="rId5"/>
+    <p:sldId id="257" r:id="rId6"/>
+    <p:sldId id="258" r:id="rId7"/>
+    <p:sldId id="259" r:id="rId8"/>
+    <p:sldId id="260" r:id="rId9"/>
+    <p:sldId id="261" r:id="rId10"/>
+    <p:sldId id="265" r:id="rId11"/>
+    <p:sldId id="264" r:id="rId12"/>
+    <p:sldId id="262" r:id="rId13"/>
+    <p:sldId id="263" r:id="rId14"/>
+    <p:sldId id="266" r:id="rId15"/>
+    <p:sldId id="272" r:id="rId16"/>
+    <p:sldId id="267" r:id="rId17"/>
+    <p:sldId id="268" r:id="rId18"/>
+    <p:sldId id="271" r:id="rId19"/>
   </p:sldIdLst>
   <p:sldSz cx="12192000" cy="6858000"/>
   <p:notesSz cx="6858000" cy="9144000"/>
@@ -259,7 +260,7 @@
           <a:p>
             <a:fld id="{436FB6E3-5D8B-406C-9076-B29BD2B6DA25}" type="datetimeFigureOut">
               <a:rPr lang="zh-TW" altLang="en-US" smtClean="0"/>
-              <a:t>2015/8/25</a:t>
+              <a:t>2015/9/30</a:t>
             </a:fld>
             <a:endParaRPr lang="zh-TW" altLang="en-US"/>
           </a:p>
@@ -429,7 +430,7 @@
           <a:p>
             <a:fld id="{436FB6E3-5D8B-406C-9076-B29BD2B6DA25}" type="datetimeFigureOut">
               <a:rPr lang="zh-TW" altLang="en-US" smtClean="0"/>
-              <a:t>2015/8/25</a:t>
+              <a:t>2015/9/30</a:t>
             </a:fld>
             <a:endParaRPr lang="zh-TW" altLang="en-US"/>
           </a:p>
@@ -609,7 +610,7 @@
           <a:p>
             <a:fld id="{436FB6E3-5D8B-406C-9076-B29BD2B6DA25}" type="datetimeFigureOut">
               <a:rPr lang="zh-TW" altLang="en-US" smtClean="0"/>
-              <a:t>2015/8/25</a:t>
+              <a:t>2015/9/30</a:t>
             </a:fld>
             <a:endParaRPr lang="zh-TW" altLang="en-US"/>
           </a:p>
@@ -779,7 +780,7 @@
           <a:p>
             <a:fld id="{436FB6E3-5D8B-406C-9076-B29BD2B6DA25}" type="datetimeFigureOut">
               <a:rPr lang="zh-TW" altLang="en-US" smtClean="0"/>
-              <a:t>2015/8/25</a:t>
+              <a:t>2015/9/30</a:t>
             </a:fld>
             <a:endParaRPr lang="zh-TW" altLang="en-US"/>
           </a:p>
@@ -1025,7 +1026,7 @@
           <a:p>
             <a:fld id="{436FB6E3-5D8B-406C-9076-B29BD2B6DA25}" type="datetimeFigureOut">
               <a:rPr lang="zh-TW" altLang="en-US" smtClean="0"/>
-              <a:t>2015/8/25</a:t>
+              <a:t>2015/9/30</a:t>
             </a:fld>
             <a:endParaRPr lang="zh-TW" altLang="en-US"/>
           </a:p>
@@ -1257,7 +1258,7 @@
           <a:p>
             <a:fld id="{436FB6E3-5D8B-406C-9076-B29BD2B6DA25}" type="datetimeFigureOut">
               <a:rPr lang="zh-TW" altLang="en-US" smtClean="0"/>
-              <a:t>2015/8/25</a:t>
+              <a:t>2015/9/30</a:t>
             </a:fld>
             <a:endParaRPr lang="zh-TW" altLang="en-US"/>
           </a:p>
@@ -1624,7 +1625,7 @@
           <a:p>
             <a:fld id="{436FB6E3-5D8B-406C-9076-B29BD2B6DA25}" type="datetimeFigureOut">
               <a:rPr lang="zh-TW" altLang="en-US" smtClean="0"/>
-              <a:t>2015/8/25</a:t>
+              <a:t>2015/9/30</a:t>
             </a:fld>
             <a:endParaRPr lang="zh-TW" altLang="en-US"/>
           </a:p>
@@ -1742,7 +1743,7 @@
           <a:p>
             <a:fld id="{436FB6E3-5D8B-406C-9076-B29BD2B6DA25}" type="datetimeFigureOut">
               <a:rPr lang="zh-TW" altLang="en-US" smtClean="0"/>
-              <a:t>2015/8/25</a:t>
+              <a:t>2015/9/30</a:t>
             </a:fld>
             <a:endParaRPr lang="zh-TW" altLang="en-US"/>
           </a:p>
@@ -1837,7 +1838,7 @@
           <a:p>
             <a:fld id="{436FB6E3-5D8B-406C-9076-B29BD2B6DA25}" type="datetimeFigureOut">
               <a:rPr lang="zh-TW" altLang="en-US" smtClean="0"/>
-              <a:t>2015/8/25</a:t>
+              <a:t>2015/9/30</a:t>
             </a:fld>
             <a:endParaRPr lang="zh-TW" altLang="en-US"/>
           </a:p>
@@ -2114,7 +2115,7 @@
           <a:p>
             <a:fld id="{436FB6E3-5D8B-406C-9076-B29BD2B6DA25}" type="datetimeFigureOut">
               <a:rPr lang="zh-TW" altLang="en-US" smtClean="0"/>
-              <a:t>2015/8/25</a:t>
+              <a:t>2015/9/30</a:t>
             </a:fld>
             <a:endParaRPr lang="zh-TW" altLang="en-US"/>
           </a:p>
@@ -2367,7 +2368,7 @@
           <a:p>
             <a:fld id="{436FB6E3-5D8B-406C-9076-B29BD2B6DA25}" type="datetimeFigureOut">
               <a:rPr lang="zh-TW" altLang="en-US" smtClean="0"/>
-              <a:t>2015/8/25</a:t>
+              <a:t>2015/9/30</a:t>
             </a:fld>
             <a:endParaRPr lang="zh-TW" altLang="en-US"/>
           </a:p>
@@ -2580,7 +2581,7 @@
           <a:p>
             <a:fld id="{436FB6E3-5D8B-406C-9076-B29BD2B6DA25}" type="datetimeFigureOut">
               <a:rPr lang="zh-TW" altLang="en-US" smtClean="0"/>
-              <a:t>2015/8/25</a:t>
+              <a:t>2015/9/30</a:t>
             </a:fld>
             <a:endParaRPr lang="zh-TW" altLang="en-US"/>
           </a:p>
@@ -3020,8 +3021,8 @@
         </p:nvSpPr>
         <p:spPr>
           <a:xfrm>
-            <a:off x="4606413" y="5185647"/>
-            <a:ext cx="2979174" cy="830997"/>
+            <a:off x="4293600" y="5567735"/>
+            <a:ext cx="3604800" cy="805484"/>
           </a:xfrm>
           <a:prstGeom prst="rect">
             <a:avLst/>
@@ -3040,7 +3041,7 @@
                 <a:solidFill>
                   <a:srgbClr val="0070C0"/>
                 </a:solidFill>
-                <a:latin typeface="Forte" panose="03060902040502070203" pitchFamily="66" charset="0"/>
+                <a:latin typeface="Eras Demi ITC" panose="020B0805030504020804" pitchFamily="34" charset="0"/>
               </a:rPr>
               <a:t>Gather</a:t>
             </a:r>
@@ -3049,7 +3050,7 @@
                 <a:solidFill>
                   <a:srgbClr val="FF0000"/>
                 </a:solidFill>
-                <a:latin typeface="Forte" panose="03060902040502070203" pitchFamily="66" charset="0"/>
+                <a:latin typeface="Eras Demi ITC" panose="020B0805030504020804" pitchFamily="34" charset="0"/>
               </a:rPr>
               <a:t>H</a:t>
             </a:r>
@@ -3061,7 +3062,7 @@
                     <a:lumOff val="40000"/>
                   </a:schemeClr>
                 </a:solidFill>
-                <a:latin typeface="Forte" panose="03060902040502070203" pitchFamily="66" charset="0"/>
+                <a:latin typeface="Eras Demi ITC" panose="020B0805030504020804" pitchFamily="34" charset="0"/>
               </a:rPr>
               <a:t>u</a:t>
             </a:r>
@@ -3070,7 +3071,7 @@
                 <a:solidFill>
                   <a:srgbClr val="00B050"/>
                 </a:solidFill>
-                <a:latin typeface="Forte" panose="03060902040502070203" pitchFamily="66" charset="0"/>
+                <a:latin typeface="Eras Demi ITC" panose="020B0805030504020804" pitchFamily="34" charset="0"/>
               </a:rPr>
               <a:t>b</a:t>
             </a:r>
@@ -3078,7 +3079,7 @@
               <a:solidFill>
                 <a:srgbClr val="00B050"/>
               </a:solidFill>
-              <a:latin typeface="Forte" panose="03060902040502070203" pitchFamily="66" charset="0"/>
+              <a:latin typeface="Eras Demi ITC" panose="020B0805030504020804" pitchFamily="34" charset="0"/>
             </a:endParaRPr>
           </a:p>
         </p:txBody>
@@ -3156,7 +3157,15 @@
           <a:p>
             <a:r>
               <a:rPr lang="en-US" altLang="zh-TW" dirty="0" smtClean="0"/>
-              <a:t>Mouse Cursor</a:t>
+              <a:t>Layers and Drawing </a:t>
+            </a:r>
+            <a:r>
+              <a:rPr lang="en-US" altLang="zh-TW" dirty="0"/>
+              <a:t>D</a:t>
+            </a:r>
+            <a:r>
+              <a:rPr lang="en-US" altLang="zh-TW" dirty="0" smtClean="0"/>
+              <a:t>ata Expression and Log</a:t>
             </a:r>
             <a:endParaRPr lang="zh-TW" altLang="en-US" dirty="0"/>
           </a:p>
@@ -3177,65 +3186,14 @@
           <a:bodyPr/>
           <a:lstStyle/>
           <a:p>
-            <a:r>
-              <a:rPr lang="en-US" altLang="zh-TW" dirty="0" smtClean="0"/>
-              <a:t>Change to different shape by the tool selected or the corresponding function that is taking effect at the moment,</a:t>
-            </a:r>
-          </a:p>
-          <a:p>
-            <a:pPr lvl="1"/>
-            <a:r>
-              <a:rPr lang="en-US" altLang="zh-TW" dirty="0" smtClean="0"/>
-              <a:t>Drawing - Pen Point (Round / Square / Marker) of selected size and color</a:t>
-            </a:r>
-          </a:p>
-          <a:p>
-            <a:pPr lvl="1"/>
-            <a:r>
-              <a:rPr lang="en-US" altLang="zh-TW" dirty="0" smtClean="0"/>
-              <a:t>Erasing – </a:t>
-            </a:r>
-            <a:r>
-              <a:rPr lang="en-US" altLang="zh-CN" dirty="0" smtClean="0"/>
-              <a:t>Area Shape (Round / Square)</a:t>
-            </a:r>
-            <a:r>
-              <a:rPr lang="en-US" altLang="zh-TW" dirty="0" smtClean="0"/>
-              <a:t> of selected size</a:t>
-            </a:r>
-          </a:p>
-          <a:p>
-            <a:pPr lvl="1"/>
-            <a:r>
-              <a:rPr lang="en-US" altLang="zh-TW" dirty="0" smtClean="0"/>
-              <a:t>Dragging – Hand</a:t>
-            </a:r>
-          </a:p>
-          <a:p>
-            <a:pPr lvl="1"/>
-            <a:r>
-              <a:rPr lang="en-US" altLang="zh-TW" dirty="0" smtClean="0"/>
-              <a:t>Clicking – Arrow (</a:t>
-            </a:r>
-            <a:r>
-              <a:rPr lang="en-US" altLang="zh-CN" dirty="0" smtClean="0"/>
-              <a:t>mouse input)</a:t>
-            </a:r>
-            <a:r>
-              <a:rPr lang="en-US" altLang="zh-TW" dirty="0" smtClean="0"/>
-              <a:t> or none (touch input).</a:t>
-            </a:r>
-          </a:p>
-          <a:p>
-            <a:pPr lvl="1"/>
-            <a:endParaRPr lang="zh-TW" altLang="en-US" dirty="0"/>
+            <a:endParaRPr lang="zh-TW" altLang="en-US"/>
           </a:p>
         </p:txBody>
       </p:sp>
     </p:spTree>
     <p:extLst>
       <p:ext uri="{BB962C8B-B14F-4D97-AF65-F5344CB8AC3E}">
-        <p14:creationId xmlns:p14="http://schemas.microsoft.com/office/powerpoint/2010/main" val="225329406"/>
+        <p14:creationId xmlns:p14="http://schemas.microsoft.com/office/powerpoint/2010/main" val="22810604"/>
       </p:ext>
     </p:extLst>
   </p:cSld>
@@ -3286,7 +3244,7 @@
           <a:p>
             <a:r>
               <a:rPr lang="en-US" altLang="zh-TW" dirty="0" smtClean="0"/>
-              <a:t>Input Device Operation – Mouse, Finger, Pen</a:t>
+              <a:t>Mouse Cursor</a:t>
             </a:r>
             <a:endParaRPr lang="zh-TW" altLang="en-US" dirty="0"/>
           </a:p>
@@ -3307,14 +3265,65 @@
           <a:bodyPr/>
           <a:lstStyle/>
           <a:p>
-            <a:endParaRPr lang="zh-TW" altLang="en-US"/>
+            <a:r>
+              <a:rPr lang="en-US" altLang="zh-TW" dirty="0" smtClean="0"/>
+              <a:t>Change to different shape by the tool selected or the corresponding function that is taking effect at the moment,</a:t>
+            </a:r>
+          </a:p>
+          <a:p>
+            <a:pPr lvl="1"/>
+            <a:r>
+              <a:rPr lang="en-US" altLang="zh-TW" dirty="0" smtClean="0"/>
+              <a:t>Drawing - Pen Point (Round / Square / Marker) of selected size and color</a:t>
+            </a:r>
+          </a:p>
+          <a:p>
+            <a:pPr lvl="1"/>
+            <a:r>
+              <a:rPr lang="en-US" altLang="zh-TW" dirty="0" smtClean="0"/>
+              <a:t>Erasing – </a:t>
+            </a:r>
+            <a:r>
+              <a:rPr lang="en-US" altLang="zh-CN" dirty="0" smtClean="0"/>
+              <a:t>Area Shape (Round / Square)</a:t>
+            </a:r>
+            <a:r>
+              <a:rPr lang="en-US" altLang="zh-TW" dirty="0" smtClean="0"/>
+              <a:t> of selected size</a:t>
+            </a:r>
+          </a:p>
+          <a:p>
+            <a:pPr lvl="1"/>
+            <a:r>
+              <a:rPr lang="en-US" altLang="zh-TW" dirty="0" smtClean="0"/>
+              <a:t>Dragging – Hand</a:t>
+            </a:r>
+          </a:p>
+          <a:p>
+            <a:pPr lvl="1"/>
+            <a:r>
+              <a:rPr lang="en-US" altLang="zh-TW" dirty="0" smtClean="0"/>
+              <a:t>Clicking – Arrow (</a:t>
+            </a:r>
+            <a:r>
+              <a:rPr lang="en-US" altLang="zh-CN" dirty="0" smtClean="0"/>
+              <a:t>mouse input)</a:t>
+            </a:r>
+            <a:r>
+              <a:rPr lang="en-US" altLang="zh-TW" dirty="0" smtClean="0"/>
+              <a:t> or none (touch input).</a:t>
+            </a:r>
+          </a:p>
+          <a:p>
+            <a:pPr lvl="1"/>
+            <a:endParaRPr lang="zh-TW" altLang="en-US" dirty="0"/>
           </a:p>
         </p:txBody>
       </p:sp>
     </p:spTree>
     <p:extLst>
       <p:ext uri="{BB962C8B-B14F-4D97-AF65-F5344CB8AC3E}">
-        <p14:creationId xmlns:p14="http://schemas.microsoft.com/office/powerpoint/2010/main" val="1462546448"/>
+        <p14:creationId xmlns:p14="http://schemas.microsoft.com/office/powerpoint/2010/main" val="225329406"/>
       </p:ext>
     </p:extLst>
   </p:cSld>
@@ -3365,15 +3374,7 @@
           <a:p>
             <a:r>
               <a:rPr lang="en-US" altLang="zh-TW" dirty="0" smtClean="0"/>
-              <a:t>Multi </a:t>
-            </a:r>
-            <a:r>
-              <a:rPr lang="en-US" altLang="zh-CN" dirty="0" smtClean="0"/>
-              <a:t>User </a:t>
-            </a:r>
-            <a:r>
-              <a:rPr lang="en-US" altLang="zh-TW" dirty="0" smtClean="0"/>
-              <a:t>Session</a:t>
+              <a:t>Input Device Operation – Mouse, Finger, Pen</a:t>
             </a:r>
             <a:endParaRPr lang="zh-TW" altLang="en-US" dirty="0"/>
           </a:p>
@@ -3401,7 +3402,7 @@
     </p:spTree>
     <p:extLst>
       <p:ext uri="{BB962C8B-B14F-4D97-AF65-F5344CB8AC3E}">
-        <p14:creationId xmlns:p14="http://schemas.microsoft.com/office/powerpoint/2010/main" val="2495096394"/>
+        <p14:creationId xmlns:p14="http://schemas.microsoft.com/office/powerpoint/2010/main" val="1462546448"/>
       </p:ext>
     </p:extLst>
   </p:cSld>
@@ -3452,7 +3453,15 @@
           <a:p>
             <a:r>
               <a:rPr lang="en-US" altLang="zh-TW" dirty="0" smtClean="0"/>
-              <a:t>Drawing Data Exchange and Synchronization</a:t>
+              <a:t>Multi </a:t>
+            </a:r>
+            <a:r>
+              <a:rPr lang="en-US" altLang="zh-CN" dirty="0" smtClean="0"/>
+              <a:t>User </a:t>
+            </a:r>
+            <a:r>
+              <a:rPr lang="en-US" altLang="zh-TW" dirty="0" smtClean="0"/>
+              <a:t>Session</a:t>
             </a:r>
             <a:endParaRPr lang="zh-TW" altLang="en-US" dirty="0"/>
           </a:p>
@@ -3473,61 +3482,14 @@
           <a:bodyPr/>
           <a:lstStyle/>
           <a:p>
-            <a:r>
-              <a:rPr lang="en-US" altLang="zh-CN" dirty="0" smtClean="0"/>
-              <a:t>Using HTML5 Server-sent Event method (not supported by IE)</a:t>
-            </a:r>
-          </a:p>
-          <a:p>
-            <a:r>
-              <a:rPr lang="en-US" altLang="zh-TW" dirty="0" smtClean="0">
-                <a:hlinkClick r:id="rId2"/>
-              </a:rPr>
-              <a:t>http://www.w3school.com.cn/html5/html_5_serversentevents.asp</a:t>
-            </a:r>
-            <a:endParaRPr lang="en-US" altLang="zh-TW" dirty="0" smtClean="0"/>
-          </a:p>
-          <a:p>
-            <a:r>
-              <a:rPr lang="en-US" altLang="zh-TW" dirty="0" smtClean="0"/>
-              <a:t>Each conference session will have an ID, a PHP for data exchange events based on server-sent event method will be included in a </a:t>
-            </a:r>
-            <a:r>
-              <a:rPr lang="en-US" altLang="zh-TW" dirty="0" err="1" smtClean="0"/>
-              <a:t>ShareBoard</a:t>
-            </a:r>
-            <a:r>
-              <a:rPr lang="en-US" altLang="zh-TW" dirty="0" smtClean="0"/>
-              <a:t> page identified by session ID.</a:t>
-            </a:r>
-          </a:p>
-          <a:p>
-            <a:r>
-              <a:rPr lang="en-US" altLang="zh-TW" dirty="0" smtClean="0"/>
-              <a:t>Each client operation on a </a:t>
-            </a:r>
-            <a:r>
-              <a:rPr lang="en-US" altLang="zh-TW" dirty="0" err="1" smtClean="0"/>
-              <a:t>ShareBoard</a:t>
-            </a:r>
-            <a:r>
-              <a:rPr lang="en-US" altLang="zh-TW" dirty="0" smtClean="0"/>
-              <a:t> will be translated into a (series) action event and submitted to the server with AJAX.</a:t>
-            </a:r>
-          </a:p>
-          <a:p>
-            <a:r>
-              <a:rPr lang="en-US" altLang="zh-TW" dirty="0" smtClean="0"/>
-              <a:t>When server gets an action event, it update its action log and sent a server-event to the other clients.</a:t>
-            </a:r>
-            <a:endParaRPr lang="zh-TW" altLang="en-US" dirty="0"/>
+            <a:endParaRPr lang="zh-TW" altLang="en-US"/>
           </a:p>
         </p:txBody>
       </p:sp>
     </p:spTree>
     <p:extLst>
       <p:ext uri="{BB962C8B-B14F-4D97-AF65-F5344CB8AC3E}">
-        <p14:creationId xmlns:p14="http://schemas.microsoft.com/office/powerpoint/2010/main" val="487654307"/>
+        <p14:creationId xmlns:p14="http://schemas.microsoft.com/office/powerpoint/2010/main" val="2495096394"/>
       </p:ext>
     </p:extLst>
   </p:cSld>
@@ -3578,7 +3540,7 @@
           <a:p>
             <a:r>
               <a:rPr lang="en-US" altLang="zh-TW" dirty="0" smtClean="0"/>
-              <a:t>Board Management</a:t>
+              <a:t>Drawing Data Exchange and Synchronization</a:t>
             </a:r>
             <a:endParaRPr lang="zh-TW" altLang="en-US" dirty="0"/>
           </a:p>
@@ -3599,20 +3561,52 @@
           <a:bodyPr/>
           <a:lstStyle/>
           <a:p>
-            <a:pPr marL="0" indent="0">
-              <a:buNone/>
-            </a:pPr>
+            <a:r>
+              <a:rPr lang="en-US" altLang="zh-CN" dirty="0" smtClean="0"/>
+              <a:t>Using HTML5 Server-sent Event method (not supported by IE)</a:t>
+            </a:r>
+          </a:p>
+          <a:p>
+            <a:r>
+              <a:rPr lang="en-US" altLang="zh-TW" dirty="0" smtClean="0">
+                <a:hlinkClick r:id="rId2"/>
+              </a:rPr>
+              <a:t>http://www.w3school.com.cn/html5/html_5_serversentevents.asp</a:t>
+            </a:r>
+            <a:endParaRPr lang="en-US" altLang="zh-TW" dirty="0" smtClean="0"/>
+          </a:p>
+          <a:p>
             <a:r>
               <a:rPr lang="en-US" altLang="zh-TW" dirty="0" smtClean="0"/>
-              <a:t>Snapshot(s) can be taken any time and can be saved and re-opened in the future. ?how to keep (client or server)? How to retrieve(file name? </a:t>
-            </a:r>
-            <a:r>
-              <a:rPr lang="en-US" altLang="zh-CN" dirty="0" smtClean="0"/>
-              <a:t>id?</a:t>
-            </a:r>
-            <a:r>
-              <a:rPr lang="zh-CN" altLang="en-US" dirty="0" smtClean="0"/>
-              <a:t>）</a:t>
+              <a:t>Each conference session will have an ID, a PHP for data exchange events based on server-sent event method will be included in a </a:t>
+            </a:r>
+            <a:r>
+              <a:rPr lang="en-US" altLang="zh-TW" dirty="0" err="1" smtClean="0"/>
+              <a:t>ShareBoard</a:t>
+            </a:r>
+            <a:r>
+              <a:rPr lang="en-US" altLang="zh-TW" dirty="0" smtClean="0"/>
+              <a:t> page identified by session ID.</a:t>
+            </a:r>
+          </a:p>
+          <a:p>
+            <a:r>
+              <a:rPr lang="en-US" altLang="zh-TW" dirty="0" smtClean="0"/>
+              <a:t>Each client operation on a </a:t>
+            </a:r>
+            <a:r>
+              <a:rPr lang="en-US" altLang="zh-TW" dirty="0" err="1" smtClean="0"/>
+              <a:t>ShareBoard</a:t>
+            </a:r>
+            <a:r>
+              <a:rPr lang="en-US" altLang="zh-TW" dirty="0" smtClean="0"/>
+              <a:t> will be translated into a (series) action event and submitted to the server with AJAX.</a:t>
+            </a:r>
+          </a:p>
+          <a:p>
+            <a:r>
+              <a:rPr lang="en-US" altLang="zh-TW" dirty="0" smtClean="0"/>
+              <a:t>When server gets an action event, it update its action log and sent a server-event to the other clients.</a:t>
             </a:r>
             <a:endParaRPr lang="zh-TW" altLang="en-US" dirty="0"/>
           </a:p>
@@ -3621,7 +3615,7 @@
     </p:spTree>
     <p:extLst>
       <p:ext uri="{BB962C8B-B14F-4D97-AF65-F5344CB8AC3E}">
-        <p14:creationId xmlns:p14="http://schemas.microsoft.com/office/powerpoint/2010/main" val="3582032590"/>
+        <p14:creationId xmlns:p14="http://schemas.microsoft.com/office/powerpoint/2010/main" val="487654307"/>
       </p:ext>
     </p:extLst>
   </p:cSld>
@@ -3672,7 +3666,7 @@
           <a:p>
             <a:r>
               <a:rPr lang="en-US" altLang="zh-TW" dirty="0" smtClean="0"/>
-              <a:t>Hardware Consideration</a:t>
+              <a:t>Board Management</a:t>
             </a:r>
             <a:endParaRPr lang="zh-TW" altLang="en-US" dirty="0"/>
           </a:p>
@@ -3693,23 +3687,29 @@
           <a:bodyPr/>
           <a:lstStyle/>
           <a:p>
+            <a:pPr marL="0" indent="0">
+              <a:buNone/>
+            </a:pPr>
             <a:r>
               <a:rPr lang="en-US" altLang="zh-TW" dirty="0" smtClean="0"/>
-              <a:t>Support PC &amp; mobile device (smart phone, pad, tablet)</a:t>
-            </a:r>
-          </a:p>
-          <a:p>
-            <a:r>
-              <a:rPr lang="en-US" altLang="zh-TW" dirty="0" smtClean="0"/>
-              <a:t>Support mouse &amp; touch input (different events)</a:t>
-            </a:r>
+              <a:t>Snapshot(s) can be taken any time and can be saved and re-opened in the future. ?how to keep (client or server)? How to retrieve(file name? </a:t>
+            </a:r>
+            <a:r>
+              <a:rPr lang="en-US" altLang="zh-CN" dirty="0" smtClean="0"/>
+              <a:t>id?</a:t>
+            </a:r>
+            <a:r>
+              <a:rPr lang="zh-CN" altLang="en-US" dirty="0" smtClean="0"/>
+              <a:t>）</a:t>
+            </a:r>
+            <a:endParaRPr lang="zh-TW" altLang="en-US" dirty="0"/>
           </a:p>
         </p:txBody>
       </p:sp>
     </p:spTree>
     <p:extLst>
       <p:ext uri="{BB962C8B-B14F-4D97-AF65-F5344CB8AC3E}">
-        <p14:creationId xmlns:p14="http://schemas.microsoft.com/office/powerpoint/2010/main" val="885027725"/>
+        <p14:creationId xmlns:p14="http://schemas.microsoft.com/office/powerpoint/2010/main" val="3582032590"/>
       </p:ext>
     </p:extLst>
   </p:cSld>
@@ -3760,6 +3760,94 @@
           <a:p>
             <a:r>
               <a:rPr lang="en-US" altLang="zh-TW" dirty="0" smtClean="0"/>
+              <a:t>Hardware Consideration</a:t>
+            </a:r>
+            <a:endParaRPr lang="zh-TW" altLang="en-US" dirty="0"/>
+          </a:p>
+        </p:txBody>
+      </p:sp>
+      <p:sp>
+        <p:nvSpPr>
+          <p:cNvPr id="3" name="内容占位符 2"/>
+          <p:cNvSpPr>
+            <a:spLocks noGrp="1"/>
+          </p:cNvSpPr>
+          <p:nvPr>
+            <p:ph idx="1"/>
+          </p:nvPr>
+        </p:nvSpPr>
+        <p:spPr/>
+        <p:txBody>
+          <a:bodyPr/>
+          <a:lstStyle/>
+          <a:p>
+            <a:r>
+              <a:rPr lang="en-US" altLang="zh-TW" dirty="0" smtClean="0"/>
+              <a:t>Support PC &amp; mobile device (smart phone, pad, tablet)</a:t>
+            </a:r>
+          </a:p>
+          <a:p>
+            <a:r>
+              <a:rPr lang="en-US" altLang="zh-TW" dirty="0" smtClean="0"/>
+              <a:t>Support mouse &amp; touch input (different events)</a:t>
+            </a:r>
+          </a:p>
+        </p:txBody>
+      </p:sp>
+    </p:spTree>
+    <p:extLst>
+      <p:ext uri="{BB962C8B-B14F-4D97-AF65-F5344CB8AC3E}">
+        <p14:creationId xmlns:p14="http://schemas.microsoft.com/office/powerpoint/2010/main" val="885027725"/>
+      </p:ext>
+    </p:extLst>
+  </p:cSld>
+  <p:clrMapOvr>
+    <a:masterClrMapping/>
+  </p:clrMapOvr>
+  <p:timing>
+    <p:tnLst>
+      <p:par>
+        <p:cTn id="1" dur="indefinite" restart="never" nodeType="tmRoot"/>
+      </p:par>
+    </p:tnLst>
+  </p:timing>
+</p:sld>
+</file>
+
+<file path=ppt/slides/slide17.xml><?xml version="1.0" encoding="utf-8"?>
+<p:sld xmlns:a="http://schemas.openxmlformats.org/drawingml/2006/main" xmlns:r="http://schemas.openxmlformats.org/officeDocument/2006/relationships" xmlns:p="http://schemas.openxmlformats.org/presentationml/2006/main">
+  <p:cSld>
+    <p:spTree>
+      <p:nvGrpSpPr>
+        <p:cNvPr id="1" name=""/>
+        <p:cNvGrpSpPr/>
+        <p:nvPr/>
+      </p:nvGrpSpPr>
+      <p:grpSpPr>
+        <a:xfrm>
+          <a:off x="0" y="0"/>
+          <a:ext cx="0" cy="0"/>
+          <a:chOff x="0" y="0"/>
+          <a:chExt cx="0" cy="0"/>
+        </a:xfrm>
+      </p:grpSpPr>
+      <p:sp>
+        <p:nvSpPr>
+          <p:cNvPr id="2" name="标题 1"/>
+          <p:cNvSpPr>
+            <a:spLocks noGrp="1"/>
+          </p:cNvSpPr>
+          <p:nvPr>
+            <p:ph type="title"/>
+          </p:nvPr>
+        </p:nvSpPr>
+        <p:spPr/>
+        <p:txBody>
+          <a:bodyPr/>
+          <a:lstStyle/>
+          <a:p>
+            <a:r>
+              <a:rPr lang="en-US" altLang="zh-TW" dirty="0" smtClean="0"/>
               <a:t>Related Technology</a:t>
             </a:r>
             <a:endParaRPr lang="zh-TW" altLang="en-US" dirty="0"/>
@@ -3836,7 +3924,7 @@
 </p:sld>
 </file>
 
-<file path=ppt/slides/slide17.xml><?xml version="1.0" encoding="utf-8"?>
+<file path=ppt/slides/slide18.xml><?xml version="1.0" encoding="utf-8"?>
 <p:sld xmlns:a="http://schemas.openxmlformats.org/drawingml/2006/main" xmlns:r="http://schemas.openxmlformats.org/officeDocument/2006/relationships" xmlns:p="http://schemas.openxmlformats.org/presentationml/2006/main">
   <p:cSld>
     <p:spTree>
@@ -4039,43 +4127,35 @@
             </a:r>
             <a:r>
               <a:rPr lang="en-US" altLang="zh-TW" dirty="0" smtClean="0"/>
-              <a:t> is one feature of the </a:t>
+              <a:t> is one feature of the GatherHub project which is to provide an online white board application for people and community who has the demand for interactive online discussion, education, or presentation from different location.</a:t>
+            </a:r>
+          </a:p>
+          <a:p>
+            <a:r>
+              <a:rPr lang="en-US" altLang="zh-TW" dirty="0"/>
+              <a:t>GatherHub project </a:t>
             </a:r>
             <a:r>
               <a:rPr lang="en-US" altLang="zh-TW" dirty="0" smtClean="0"/>
-              <a:t>GatherHub project </a:t>
+              <a:t>is a website project to provide web based conference room application </a:t>
             </a:r>
             <a:r>
               <a:rPr lang="en-US" altLang="zh-TW" dirty="0" smtClean="0"/>
-              <a:t>which is to provide an online white board application for people and community who has the demand for interactive online discussion, education, or presentation from different location.</a:t>
-            </a:r>
-          </a:p>
-          <a:p>
+              <a:t>to </a:t>
+            </a:r>
             <a:r>
               <a:rPr lang="en-US" altLang="zh-TW" dirty="0" smtClean="0"/>
-              <a:t>GATHROOM project is a website project to provide web based conference room application (expandable open framework) to serve the increasing distributed communication need.</a:t>
-            </a:r>
-          </a:p>
-          <a:p>
+              <a:t>serve the increasing distributed communication </a:t>
+            </a:r>
+            <a:r>
+              <a:rPr lang="en-US" altLang="zh-TW" smtClean="0"/>
+              <a:t>need</a:t>
+            </a:r>
+            <a:r>
+              <a:rPr lang="en-US" altLang="zh-TW" smtClean="0"/>
+              <a:t>.</a:t>
+            </a:r>
             <a:endParaRPr lang="en-US" altLang="zh-TW" dirty="0" smtClean="0"/>
-          </a:p>
-          <a:p>
-            <a:pPr marL="0" indent="0">
-              <a:buNone/>
-            </a:pPr>
-            <a:r>
-              <a:rPr lang="en-US" altLang="zh-TW" dirty="0" smtClean="0"/>
-              <a:t>p.s. Originally, </a:t>
-            </a:r>
-            <a:r>
-              <a:rPr lang="en-US" altLang="zh-TW" dirty="0" err="1" smtClean="0"/>
-              <a:t>TeleBoard</a:t>
-            </a:r>
-            <a:r>
-              <a:rPr lang="en-US" altLang="zh-TW" dirty="0" smtClean="0"/>
-              <a:t> was created to resolve our own needs for the collaboration among our distributed development team members.</a:t>
-            </a:r>
-            <a:endParaRPr lang="zh-TW" altLang="en-US" dirty="0"/>
           </a:p>
         </p:txBody>
       </p:sp>
@@ -4089,6 +4169,13 @@
   <p:clrMapOvr>
     <a:masterClrMapping/>
   </p:clrMapOvr>
+  <p:timing>
+    <p:tnLst>
+      <p:par>
+        <p:cTn id="1" dur="indefinite" restart="never" nodeType="tmRoot"/>
+      </p:par>
+    </p:tnLst>
+  </p:timing>
 </p:sld>
 </file>
 
@@ -4119,14 +4206,19 @@
             <p:ph type="title"/>
           </p:nvPr>
         </p:nvSpPr>
-        <p:spPr/>
+        <p:spPr>
+          <a:xfrm>
+            <a:off x="838200" y="368998"/>
+            <a:ext cx="10515600" cy="1325563"/>
+          </a:xfrm>
+        </p:spPr>
         <p:txBody>
           <a:bodyPr/>
           <a:lstStyle/>
           <a:p>
             <a:r>
               <a:rPr lang="en-US" altLang="zh-TW" dirty="0" smtClean="0"/>
-              <a:t>Basic Requirements</a:t>
+              <a:t>Features</a:t>
             </a:r>
             <a:endParaRPr lang="zh-TW" altLang="en-US" dirty="0"/>
           </a:p>
@@ -4140,6 +4232,1137 @@
           </p:cNvSpPr>
           <p:nvPr>
             <p:ph idx="1"/>
+          </p:nvPr>
+        </p:nvSpPr>
+        <p:spPr/>
+        <p:txBody>
+          <a:bodyPr>
+            <a:normAutofit fontScale="70000" lnSpcReduction="20000"/>
+          </a:bodyPr>
+          <a:lstStyle/>
+          <a:p>
+            <a:r>
+              <a:rPr lang="en-US" altLang="zh-TW" dirty="0" smtClean="0"/>
+              <a:t>Free hand-writing</a:t>
+            </a:r>
+          </a:p>
+          <a:p>
+            <a:r>
+              <a:rPr lang="en-US" altLang="zh-CN" dirty="0" smtClean="0"/>
+              <a:t>Multi-clients real-time synchronization</a:t>
+            </a:r>
+          </a:p>
+          <a:p>
+            <a:r>
+              <a:rPr lang="en-US" altLang="zh-TW" dirty="0" smtClean="0"/>
+              <a:t>Action prompt – short pop-up ID when action taken</a:t>
+            </a:r>
+          </a:p>
+          <a:p>
+            <a:r>
+              <a:rPr lang="en-US" altLang="zh-TW" dirty="0" smtClean="0"/>
+              <a:t>Choice of pen – shape, size, color</a:t>
+            </a:r>
+          </a:p>
+          <a:p>
+            <a:r>
+              <a:rPr lang="en-US" altLang="zh-TW" dirty="0" smtClean="0"/>
+              <a:t>Eraser at variant size</a:t>
+            </a:r>
+          </a:p>
+          <a:p>
+            <a:r>
+              <a:rPr lang="en-US" altLang="zh-TW" dirty="0" smtClean="0"/>
+              <a:t>Zoom and Pan – Pan with acceleration</a:t>
+            </a:r>
+          </a:p>
+          <a:p>
+            <a:r>
+              <a:rPr lang="en-US" altLang="zh-TW" dirty="0" smtClean="0"/>
+              <a:t>Full-view window – auto-shown at zoom-in, minimize-able, moveable</a:t>
+            </a:r>
+          </a:p>
+          <a:p>
+            <a:r>
+              <a:rPr lang="en-US" altLang="zh-TW" dirty="0" smtClean="0"/>
+              <a:t>Undo/Redo/Clear</a:t>
+            </a:r>
+          </a:p>
+          <a:p>
+            <a:r>
+              <a:rPr lang="en-US" altLang="zh-TW" dirty="0" smtClean="0"/>
+              <a:t>Attendee List – with attendee action status, pen color</a:t>
+            </a:r>
+          </a:p>
+          <a:p>
+            <a:r>
+              <a:rPr lang="en-US" altLang="zh-TW" dirty="0" smtClean="0"/>
+              <a:t>Text chat – minimize-able, message bubble when chat window closed</a:t>
+            </a:r>
+          </a:p>
+          <a:p>
+            <a:r>
+              <a:rPr lang="en-US" altLang="zh-TW" dirty="0" smtClean="0"/>
+              <a:t>Toolbar </a:t>
+            </a:r>
+            <a:r>
+              <a:rPr lang="en-US" altLang="zh-CN" dirty="0" smtClean="0"/>
+              <a:t>on</a:t>
+            </a:r>
+            <a:r>
+              <a:rPr lang="zh-CN" altLang="en-US" dirty="0"/>
+              <a:t> </a:t>
+            </a:r>
+            <a:r>
+              <a:rPr lang="en-US" altLang="zh-CN" dirty="0" smtClean="0"/>
+              <a:t>edge – attach to top, bottom, left, right</a:t>
+            </a:r>
+          </a:p>
+          <a:p>
+            <a:r>
+              <a:rPr lang="en-US" altLang="zh-TW" dirty="0" smtClean="0"/>
+              <a:t>Device adaptive – Mouse(</a:t>
+            </a:r>
+            <a:r>
+              <a:rPr lang="en-US" altLang="zh-CN" dirty="0" smtClean="0"/>
+              <a:t>E-</a:t>
+            </a:r>
+            <a:r>
+              <a:rPr lang="en-US" altLang="zh-TW" dirty="0" smtClean="0"/>
+              <a:t>Pen)/Mouse-click(L/R/M), touch-draw/touch-pan/touch-zoom </a:t>
+            </a:r>
+            <a:endParaRPr lang="en-US" altLang="zh-TW" dirty="0"/>
+          </a:p>
+        </p:txBody>
+      </p:sp>
+      <p:grpSp>
+        <p:nvGrpSpPr>
+          <p:cNvPr id="46" name="组合 45"/>
+          <p:cNvGrpSpPr/>
+          <p:nvPr/>
+        </p:nvGrpSpPr>
+        <p:grpSpPr>
+          <a:xfrm>
+            <a:off x="11072166" y="368998"/>
+            <a:ext cx="563268" cy="6081472"/>
+            <a:chOff x="10697311" y="383461"/>
+            <a:chExt cx="563268" cy="6081472"/>
+          </a:xfrm>
+        </p:grpSpPr>
+        <p:sp>
+          <p:nvSpPr>
+            <p:cNvPr id="4" name="矩形 3"/>
+            <p:cNvSpPr/>
+            <p:nvPr/>
+          </p:nvSpPr>
+          <p:spPr>
+            <a:xfrm>
+              <a:off x="10697311" y="383461"/>
+              <a:ext cx="563268" cy="6002594"/>
+            </a:xfrm>
+            <a:prstGeom prst="rect">
+              <a:avLst/>
+            </a:prstGeom>
+            <a:solidFill>
+              <a:schemeClr val="bg1">
+                <a:lumMod val="85000"/>
+              </a:schemeClr>
+            </a:solidFill>
+            <a:ln>
+              <a:noFill/>
+            </a:ln>
+          </p:spPr>
+          <p:style>
+            <a:lnRef idx="2">
+              <a:schemeClr val="accent1">
+                <a:shade val="50000"/>
+              </a:schemeClr>
+            </a:lnRef>
+            <a:fillRef idx="1">
+              <a:schemeClr val="accent1"/>
+            </a:fillRef>
+            <a:effectRef idx="0">
+              <a:schemeClr val="accent1"/>
+            </a:effectRef>
+            <a:fontRef idx="minor">
+              <a:schemeClr val="lt1"/>
+            </a:fontRef>
+          </p:style>
+          <p:txBody>
+            <a:bodyPr rtlCol="0" anchor="ctr"/>
+            <a:lstStyle/>
+            <a:p>
+              <a:pPr algn="ctr"/>
+              <a:endParaRPr lang="zh-TW" altLang="en-US"/>
+            </a:p>
+          </p:txBody>
+        </p:sp>
+        <p:grpSp>
+          <p:nvGrpSpPr>
+            <p:cNvPr id="7" name="组合 6"/>
+            <p:cNvGrpSpPr/>
+            <p:nvPr/>
+          </p:nvGrpSpPr>
+          <p:grpSpPr>
+            <a:xfrm>
+              <a:off x="10792742" y="5904284"/>
+              <a:ext cx="372406" cy="560649"/>
+              <a:chOff x="8474002" y="609600"/>
+              <a:chExt cx="599764" cy="902931"/>
+            </a:xfrm>
+            <a:noFill/>
+          </p:grpSpPr>
+          <p:sp>
+            <p:nvSpPr>
+              <p:cNvPr id="5" name="椭圆 4"/>
+              <p:cNvSpPr/>
+              <p:nvPr/>
+            </p:nvSpPr>
+            <p:spPr>
+              <a:xfrm>
+                <a:off x="8599713" y="609600"/>
+                <a:ext cx="348343" cy="333829"/>
+              </a:xfrm>
+              <a:prstGeom prst="ellipse">
+                <a:avLst/>
+              </a:prstGeom>
+              <a:grpFill/>
+              <a:ln>
+                <a:solidFill>
+                  <a:schemeClr val="tx1"/>
+                </a:solidFill>
+              </a:ln>
+            </p:spPr>
+            <p:style>
+              <a:lnRef idx="2">
+                <a:schemeClr val="dk1"/>
+              </a:lnRef>
+              <a:fillRef idx="1">
+                <a:schemeClr val="lt1"/>
+              </a:fillRef>
+              <a:effectRef idx="0">
+                <a:schemeClr val="dk1"/>
+              </a:effectRef>
+              <a:fontRef idx="minor">
+                <a:schemeClr val="dk1"/>
+              </a:fontRef>
+            </p:style>
+            <p:txBody>
+              <a:bodyPr rtlCol="0" anchor="ctr"/>
+              <a:lstStyle/>
+              <a:p>
+                <a:pPr algn="ctr"/>
+                <a:endParaRPr lang="zh-TW" altLang="en-US"/>
+              </a:p>
+            </p:txBody>
+          </p:sp>
+          <p:sp>
+            <p:nvSpPr>
+              <p:cNvPr id="6" name="弧形 5"/>
+              <p:cNvSpPr/>
+              <p:nvPr/>
+            </p:nvSpPr>
+            <p:spPr>
+              <a:xfrm>
+                <a:off x="8474002" y="976445"/>
+                <a:ext cx="599764" cy="536086"/>
+              </a:xfrm>
+              <a:prstGeom prst="arc">
+                <a:avLst>
+                  <a:gd name="adj1" fmla="val 11240419"/>
+                  <a:gd name="adj2" fmla="val 0"/>
+                </a:avLst>
+              </a:prstGeom>
+              <a:grpFill/>
+              <a:ln>
+                <a:solidFill>
+                  <a:schemeClr val="tx1"/>
+                </a:solidFill>
+              </a:ln>
+            </p:spPr>
+            <p:style>
+              <a:lnRef idx="1">
+                <a:schemeClr val="dk1"/>
+              </a:lnRef>
+              <a:fillRef idx="0">
+                <a:schemeClr val="dk1"/>
+              </a:fillRef>
+              <a:effectRef idx="0">
+                <a:schemeClr val="dk1"/>
+              </a:effectRef>
+              <a:fontRef idx="minor">
+                <a:schemeClr val="tx1"/>
+              </a:fontRef>
+            </p:style>
+            <p:txBody>
+              <a:bodyPr rtlCol="0" anchor="ctr"/>
+              <a:lstStyle/>
+              <a:p>
+                <a:pPr algn="ctr"/>
+                <a:endParaRPr lang="zh-TW" altLang="en-US"/>
+              </a:p>
+            </p:txBody>
+          </p:sp>
+        </p:grpSp>
+        <p:sp>
+          <p:nvSpPr>
+            <p:cNvPr id="8" name="椭圆形标注 7"/>
+            <p:cNvSpPr/>
+            <p:nvPr/>
+          </p:nvSpPr>
+          <p:spPr>
+            <a:xfrm>
+              <a:off x="10775720" y="564258"/>
+              <a:ext cx="406451" cy="279379"/>
+            </a:xfrm>
+            <a:prstGeom prst="wedgeEllipseCallout">
+              <a:avLst/>
+            </a:prstGeom>
+            <a:noFill/>
+          </p:spPr>
+          <p:style>
+            <a:lnRef idx="2">
+              <a:schemeClr val="dk1"/>
+            </a:lnRef>
+            <a:fillRef idx="1">
+              <a:schemeClr val="lt1"/>
+            </a:fillRef>
+            <a:effectRef idx="0">
+              <a:schemeClr val="dk1"/>
+            </a:effectRef>
+            <a:fontRef idx="minor">
+              <a:schemeClr val="dk1"/>
+            </a:fontRef>
+          </p:style>
+          <p:txBody>
+            <a:bodyPr rtlCol="0" anchor="ctr"/>
+            <a:lstStyle/>
+            <a:p>
+              <a:pPr algn="ctr"/>
+              <a:endParaRPr lang="zh-TW" altLang="en-US"/>
+            </a:p>
+          </p:txBody>
+        </p:sp>
+        <p:sp>
+          <p:nvSpPr>
+            <p:cNvPr id="9" name="加号 8"/>
+            <p:cNvSpPr/>
+            <p:nvPr/>
+          </p:nvSpPr>
+          <p:spPr>
+            <a:xfrm>
+              <a:off x="10830193" y="3861458"/>
+              <a:ext cx="297505" cy="303481"/>
+            </a:xfrm>
+            <a:prstGeom prst="mathPlus">
+              <a:avLst/>
+            </a:prstGeom>
+          </p:spPr>
+          <p:style>
+            <a:lnRef idx="2">
+              <a:schemeClr val="dk1">
+                <a:shade val="50000"/>
+              </a:schemeClr>
+            </a:lnRef>
+            <a:fillRef idx="1">
+              <a:schemeClr val="dk1"/>
+            </a:fillRef>
+            <a:effectRef idx="0">
+              <a:schemeClr val="dk1"/>
+            </a:effectRef>
+            <a:fontRef idx="minor">
+              <a:schemeClr val="lt1"/>
+            </a:fontRef>
+          </p:style>
+          <p:txBody>
+            <a:bodyPr rtlCol="0" anchor="ctr"/>
+            <a:lstStyle/>
+            <a:p>
+              <a:pPr algn="ctr"/>
+              <a:endParaRPr lang="zh-TW" altLang="en-US"/>
+            </a:p>
+          </p:txBody>
+        </p:sp>
+        <p:sp>
+          <p:nvSpPr>
+            <p:cNvPr id="10" name="减号 9"/>
+            <p:cNvSpPr/>
+            <p:nvPr/>
+          </p:nvSpPr>
+          <p:spPr>
+            <a:xfrm>
+              <a:off x="10858550" y="5449577"/>
+              <a:ext cx="240790" cy="291356"/>
+            </a:xfrm>
+            <a:prstGeom prst="mathMinus">
+              <a:avLst/>
+            </a:prstGeom>
+          </p:spPr>
+          <p:style>
+            <a:lnRef idx="2">
+              <a:schemeClr val="dk1">
+                <a:shade val="50000"/>
+              </a:schemeClr>
+            </a:lnRef>
+            <a:fillRef idx="1">
+              <a:schemeClr val="dk1"/>
+            </a:fillRef>
+            <a:effectRef idx="0">
+              <a:schemeClr val="dk1"/>
+            </a:effectRef>
+            <a:fontRef idx="minor">
+              <a:schemeClr val="lt1"/>
+            </a:fontRef>
+          </p:style>
+          <p:txBody>
+            <a:bodyPr rtlCol="0" anchor="ctr"/>
+            <a:lstStyle/>
+            <a:p>
+              <a:pPr algn="ctr"/>
+              <a:endParaRPr lang="zh-TW" altLang="en-US"/>
+            </a:p>
+          </p:txBody>
+        </p:sp>
+        <p:cxnSp>
+          <p:nvCxnSpPr>
+            <p:cNvPr id="12" name="直接连接符 11"/>
+            <p:cNvCxnSpPr/>
+            <p:nvPr/>
+          </p:nvCxnSpPr>
+          <p:spPr>
+            <a:xfrm flipH="1">
+              <a:off x="10971688" y="4212023"/>
+              <a:ext cx="14514" cy="1271499"/>
+            </a:xfrm>
+            <a:prstGeom prst="line">
+              <a:avLst/>
+            </a:prstGeom>
+            <a:ln w="38100">
+              <a:prstDash val="sysDash"/>
+            </a:ln>
+          </p:spPr>
+          <p:style>
+            <a:lnRef idx="1">
+              <a:schemeClr val="dk1"/>
+            </a:lnRef>
+            <a:fillRef idx="0">
+              <a:schemeClr val="dk1"/>
+            </a:fillRef>
+            <a:effectRef idx="0">
+              <a:schemeClr val="dk1"/>
+            </a:effectRef>
+            <a:fontRef idx="minor">
+              <a:schemeClr val="tx1"/>
+            </a:fontRef>
+          </p:style>
+        </p:cxnSp>
+        <p:grpSp>
+          <p:nvGrpSpPr>
+            <p:cNvPr id="45" name="组合 44"/>
+            <p:cNvGrpSpPr/>
+            <p:nvPr/>
+          </p:nvGrpSpPr>
+          <p:grpSpPr>
+            <a:xfrm>
+              <a:off x="10859984" y="5242733"/>
+              <a:ext cx="335737" cy="290027"/>
+              <a:chOff x="10859984" y="4705701"/>
+              <a:chExt cx="335737" cy="290027"/>
+            </a:xfrm>
+          </p:grpSpPr>
+          <p:sp>
+            <p:nvSpPr>
+              <p:cNvPr id="13" name="椭圆 12"/>
+              <p:cNvSpPr/>
+              <p:nvPr/>
+            </p:nvSpPr>
+            <p:spPr>
+              <a:xfrm>
+                <a:off x="10859984" y="4705701"/>
+                <a:ext cx="237923" cy="233121"/>
+              </a:xfrm>
+              <a:prstGeom prst="ellipse">
+                <a:avLst/>
+              </a:prstGeom>
+              <a:solidFill>
+                <a:schemeClr val="bg1">
+                  <a:lumMod val="85000"/>
+                </a:schemeClr>
+              </a:solidFill>
+              <a:ln w="38100">
+                <a:solidFill>
+                  <a:schemeClr val="tx1"/>
+                </a:solidFill>
+              </a:ln>
+            </p:spPr>
+            <p:style>
+              <a:lnRef idx="2">
+                <a:schemeClr val="dk1"/>
+              </a:lnRef>
+              <a:fillRef idx="1">
+                <a:schemeClr val="lt1"/>
+              </a:fillRef>
+              <a:effectRef idx="0">
+                <a:schemeClr val="dk1"/>
+              </a:effectRef>
+              <a:fontRef idx="minor">
+                <a:schemeClr val="dk1"/>
+              </a:fontRef>
+            </p:style>
+            <p:txBody>
+              <a:bodyPr rtlCol="0" anchor="ctr"/>
+              <a:lstStyle/>
+              <a:p>
+                <a:pPr algn="ctr"/>
+                <a:endParaRPr lang="zh-TW" altLang="en-US"/>
+              </a:p>
+            </p:txBody>
+          </p:sp>
+          <p:cxnSp>
+            <p:nvCxnSpPr>
+              <p:cNvPr id="15" name="直接连接符 14"/>
+              <p:cNvCxnSpPr/>
+              <p:nvPr/>
+            </p:nvCxnSpPr>
+            <p:spPr>
+              <a:xfrm>
+                <a:off x="11052450" y="4890150"/>
+                <a:ext cx="143271" cy="105578"/>
+              </a:xfrm>
+              <a:prstGeom prst="line">
+                <a:avLst/>
+              </a:prstGeom>
+              <a:ln w="57150">
+                <a:solidFill>
+                  <a:schemeClr val="tx1"/>
+                </a:solidFill>
+              </a:ln>
+            </p:spPr>
+            <p:style>
+              <a:lnRef idx="1">
+                <a:schemeClr val="accent1"/>
+              </a:lnRef>
+              <a:fillRef idx="0">
+                <a:schemeClr val="accent1"/>
+              </a:fillRef>
+              <a:effectRef idx="0">
+                <a:schemeClr val="accent1"/>
+              </a:effectRef>
+              <a:fontRef idx="minor">
+                <a:schemeClr val="tx1"/>
+              </a:fontRef>
+            </p:style>
+          </p:cxnSp>
+        </p:grpSp>
+        <p:grpSp>
+          <p:nvGrpSpPr>
+            <p:cNvPr id="21" name="组合 20"/>
+            <p:cNvGrpSpPr/>
+            <p:nvPr/>
+          </p:nvGrpSpPr>
+          <p:grpSpPr>
+            <a:xfrm>
+              <a:off x="10762089" y="1069445"/>
+              <a:ext cx="305376" cy="384850"/>
+              <a:chOff x="8278607" y="1665293"/>
+              <a:chExt cx="369505" cy="465668"/>
+            </a:xfrm>
+          </p:grpSpPr>
+          <p:grpSp>
+            <p:nvGrpSpPr>
+              <p:cNvPr id="18" name="组合 17"/>
+              <p:cNvGrpSpPr/>
+              <p:nvPr/>
+            </p:nvGrpSpPr>
+            <p:grpSpPr>
+              <a:xfrm rot="2131055">
+                <a:off x="8527870" y="1665293"/>
+                <a:ext cx="120242" cy="465668"/>
+                <a:chOff x="8389257" y="1274119"/>
+                <a:chExt cx="377372" cy="1207824"/>
+              </a:xfrm>
+            </p:grpSpPr>
+            <p:sp>
+              <p:nvSpPr>
+                <p:cNvPr id="16" name="矩形 15"/>
+                <p:cNvSpPr/>
+                <p:nvPr/>
+              </p:nvSpPr>
+              <p:spPr>
+                <a:xfrm>
+                  <a:off x="8389258" y="1274119"/>
+                  <a:ext cx="377371" cy="817716"/>
+                </a:xfrm>
+                <a:prstGeom prst="rect">
+                  <a:avLst/>
+                </a:prstGeom>
+                <a:noFill/>
+                <a:ln w="12700">
+                  <a:solidFill>
+                    <a:schemeClr val="tx1"/>
+                  </a:solidFill>
+                </a:ln>
+              </p:spPr>
+              <p:style>
+                <a:lnRef idx="2">
+                  <a:schemeClr val="dk1"/>
+                </a:lnRef>
+                <a:fillRef idx="1">
+                  <a:schemeClr val="lt1"/>
+                </a:fillRef>
+                <a:effectRef idx="0">
+                  <a:schemeClr val="dk1"/>
+                </a:effectRef>
+                <a:fontRef idx="minor">
+                  <a:schemeClr val="dk1"/>
+                </a:fontRef>
+              </p:style>
+              <p:txBody>
+                <a:bodyPr rtlCol="0" anchor="ctr"/>
+                <a:lstStyle/>
+                <a:p>
+                  <a:pPr algn="ctr"/>
+                  <a:endParaRPr lang="zh-TW" altLang="en-US"/>
+                </a:p>
+              </p:txBody>
+            </p:sp>
+            <p:sp>
+              <p:nvSpPr>
+                <p:cNvPr id="17" name="等腰三角形 16"/>
+                <p:cNvSpPr/>
+                <p:nvPr/>
+              </p:nvSpPr>
+              <p:spPr>
+                <a:xfrm flipV="1">
+                  <a:off x="8389257" y="2104571"/>
+                  <a:ext cx="377372" cy="377372"/>
+                </a:xfrm>
+                <a:prstGeom prst="triangle">
+                  <a:avLst/>
+                </a:prstGeom>
+                <a:noFill/>
+                <a:ln w="12700">
+                  <a:solidFill>
+                    <a:schemeClr val="tx1"/>
+                  </a:solidFill>
+                </a:ln>
+              </p:spPr>
+              <p:style>
+                <a:lnRef idx="2">
+                  <a:schemeClr val="dk1"/>
+                </a:lnRef>
+                <a:fillRef idx="1">
+                  <a:schemeClr val="lt1"/>
+                </a:fillRef>
+                <a:effectRef idx="0">
+                  <a:schemeClr val="dk1"/>
+                </a:effectRef>
+                <a:fontRef idx="minor">
+                  <a:schemeClr val="dk1"/>
+                </a:fontRef>
+              </p:style>
+              <p:txBody>
+                <a:bodyPr rtlCol="0" anchor="ctr"/>
+                <a:lstStyle/>
+                <a:p>
+                  <a:pPr algn="ctr"/>
+                  <a:endParaRPr lang="zh-TW" altLang="en-US"/>
+                </a:p>
+              </p:txBody>
+            </p:sp>
+          </p:grpSp>
+          <p:cxnSp>
+            <p:nvCxnSpPr>
+              <p:cNvPr id="20" name="直接连接符 19"/>
+              <p:cNvCxnSpPr/>
+              <p:nvPr/>
+            </p:nvCxnSpPr>
+            <p:spPr>
+              <a:xfrm flipV="1">
+                <a:off x="8278607" y="2098430"/>
+                <a:ext cx="163228" cy="3908"/>
+              </a:xfrm>
+              <a:prstGeom prst="line">
+                <a:avLst/>
+              </a:prstGeom>
+              <a:ln w="12700"/>
+            </p:spPr>
+            <p:style>
+              <a:lnRef idx="1">
+                <a:schemeClr val="dk1"/>
+              </a:lnRef>
+              <a:fillRef idx="0">
+                <a:schemeClr val="dk1"/>
+              </a:fillRef>
+              <a:effectRef idx="0">
+                <a:schemeClr val="dk1"/>
+              </a:effectRef>
+              <a:fontRef idx="minor">
+                <a:schemeClr val="tx1"/>
+              </a:fontRef>
+            </p:style>
+          </p:cxnSp>
+        </p:grpSp>
+        <p:grpSp>
+          <p:nvGrpSpPr>
+            <p:cNvPr id="32" name="组合 31"/>
+            <p:cNvGrpSpPr/>
+            <p:nvPr/>
+          </p:nvGrpSpPr>
+          <p:grpSpPr>
+            <a:xfrm>
+              <a:off x="10753475" y="1702022"/>
+              <a:ext cx="357813" cy="346004"/>
+              <a:chOff x="8149590" y="663370"/>
+              <a:chExt cx="393594" cy="418670"/>
+            </a:xfrm>
+          </p:grpSpPr>
+          <p:sp>
+            <p:nvSpPr>
+              <p:cNvPr id="27" name="任意多边形 26"/>
+              <p:cNvSpPr/>
+              <p:nvPr/>
+            </p:nvSpPr>
+            <p:spPr>
+              <a:xfrm>
+                <a:off x="8149590" y="807595"/>
+                <a:ext cx="310543" cy="274445"/>
+              </a:xfrm>
+              <a:custGeom>
+                <a:avLst/>
+                <a:gdLst>
+                  <a:gd name="connsiteX0" fmla="*/ 0 w 310543"/>
+                  <a:gd name="connsiteY0" fmla="*/ 102995 h 274445"/>
+                  <a:gd name="connsiteX1" fmla="*/ 163830 w 310543"/>
+                  <a:gd name="connsiteY1" fmla="*/ 11555 h 274445"/>
+                  <a:gd name="connsiteX2" fmla="*/ 72390 w 310543"/>
+                  <a:gd name="connsiteY2" fmla="*/ 232535 h 274445"/>
+                  <a:gd name="connsiteX3" fmla="*/ 259080 w 310543"/>
+                  <a:gd name="connsiteY3" fmla="*/ 125 h 274445"/>
+                  <a:gd name="connsiteX4" fmla="*/ 140970 w 310543"/>
+                  <a:gd name="connsiteY4" fmla="*/ 270635 h 274445"/>
+                  <a:gd name="connsiteX5" fmla="*/ 308610 w 310543"/>
+                  <a:gd name="connsiteY5" fmla="*/ 68705 h 274445"/>
+                  <a:gd name="connsiteX6" fmla="*/ 217170 w 310543"/>
+                  <a:gd name="connsiteY6" fmla="*/ 274445 h 274445"/>
+                </a:gdLst>
+                <a:ahLst/>
+                <a:cxnLst>
+                  <a:cxn ang="0">
+                    <a:pos x="connsiteX0" y="connsiteY0"/>
+                  </a:cxn>
+                  <a:cxn ang="0">
+                    <a:pos x="connsiteX1" y="connsiteY1"/>
+                  </a:cxn>
+                  <a:cxn ang="0">
+                    <a:pos x="connsiteX2" y="connsiteY2"/>
+                  </a:cxn>
+                  <a:cxn ang="0">
+                    <a:pos x="connsiteX3" y="connsiteY3"/>
+                  </a:cxn>
+                  <a:cxn ang="0">
+                    <a:pos x="connsiteX4" y="connsiteY4"/>
+                  </a:cxn>
+                  <a:cxn ang="0">
+                    <a:pos x="connsiteX5" y="connsiteY5"/>
+                  </a:cxn>
+                  <a:cxn ang="0">
+                    <a:pos x="connsiteX6" y="connsiteY6"/>
+                  </a:cxn>
+                </a:cxnLst>
+                <a:rect l="l" t="t" r="r" b="b"/>
+                <a:pathLst>
+                  <a:path w="310543" h="274445">
+                    <a:moveTo>
+                      <a:pt x="0" y="102995"/>
+                    </a:moveTo>
+                    <a:cubicBezTo>
+                      <a:pt x="75882" y="46480"/>
+                      <a:pt x="151765" y="-10035"/>
+                      <a:pt x="163830" y="11555"/>
+                    </a:cubicBezTo>
+                    <a:cubicBezTo>
+                      <a:pt x="175895" y="33145"/>
+                      <a:pt x="56515" y="234440"/>
+                      <a:pt x="72390" y="232535"/>
+                    </a:cubicBezTo>
+                    <a:cubicBezTo>
+                      <a:pt x="88265" y="230630"/>
+                      <a:pt x="247650" y="-6225"/>
+                      <a:pt x="259080" y="125"/>
+                    </a:cubicBezTo>
+                    <a:cubicBezTo>
+                      <a:pt x="270510" y="6475"/>
+                      <a:pt x="132715" y="259205"/>
+                      <a:pt x="140970" y="270635"/>
+                    </a:cubicBezTo>
+                    <a:cubicBezTo>
+                      <a:pt x="149225" y="282065"/>
+                      <a:pt x="295910" y="68070"/>
+                      <a:pt x="308610" y="68705"/>
+                    </a:cubicBezTo>
+                    <a:cubicBezTo>
+                      <a:pt x="321310" y="69340"/>
+                      <a:pt x="269240" y="171892"/>
+                      <a:pt x="217170" y="274445"/>
+                    </a:cubicBezTo>
+                  </a:path>
+                </a:pathLst>
+              </a:custGeom>
+            </p:spPr>
+            <p:style>
+              <a:lnRef idx="1">
+                <a:schemeClr val="dk1"/>
+              </a:lnRef>
+              <a:fillRef idx="0">
+                <a:schemeClr val="dk1"/>
+              </a:fillRef>
+              <a:effectRef idx="0">
+                <a:schemeClr val="dk1"/>
+              </a:effectRef>
+              <a:fontRef idx="minor">
+                <a:schemeClr val="tx1"/>
+              </a:fontRef>
+            </p:style>
+            <p:txBody>
+              <a:bodyPr rtlCol="0" anchor="ctr"/>
+              <a:lstStyle/>
+              <a:p>
+                <a:pPr algn="ctr"/>
+                <a:endParaRPr lang="zh-TW" altLang="en-US"/>
+              </a:p>
+            </p:txBody>
+          </p:sp>
+          <p:grpSp>
+            <p:nvGrpSpPr>
+              <p:cNvPr id="31" name="组合 30"/>
+              <p:cNvGrpSpPr/>
+              <p:nvPr/>
+            </p:nvGrpSpPr>
+            <p:grpSpPr>
+              <a:xfrm rot="1840806">
+                <a:off x="8390453" y="663370"/>
+                <a:ext cx="152731" cy="301628"/>
+                <a:chOff x="8420817" y="303804"/>
+                <a:chExt cx="152731" cy="301628"/>
+              </a:xfrm>
+            </p:grpSpPr>
+            <p:sp>
+              <p:nvSpPr>
+                <p:cNvPr id="29" name="矩形 28"/>
+                <p:cNvSpPr/>
+                <p:nvPr/>
+              </p:nvSpPr>
+              <p:spPr>
+                <a:xfrm rot="662714">
+                  <a:off x="8438956" y="303804"/>
+                  <a:ext cx="134592" cy="301628"/>
+                </a:xfrm>
+                <a:prstGeom prst="rect">
+                  <a:avLst/>
+                </a:prstGeom>
+                <a:solidFill>
+                  <a:schemeClr val="bg1">
+                    <a:lumMod val="85000"/>
+                  </a:schemeClr>
+                </a:solidFill>
+              </p:spPr>
+              <p:style>
+                <a:lnRef idx="2">
+                  <a:schemeClr val="dk1"/>
+                </a:lnRef>
+                <a:fillRef idx="1">
+                  <a:schemeClr val="lt1"/>
+                </a:fillRef>
+                <a:effectRef idx="0">
+                  <a:schemeClr val="dk1"/>
+                </a:effectRef>
+                <a:fontRef idx="minor">
+                  <a:schemeClr val="dk1"/>
+                </a:fontRef>
+              </p:style>
+              <p:txBody>
+                <a:bodyPr rtlCol="0" anchor="ctr"/>
+                <a:lstStyle/>
+                <a:p>
+                  <a:pPr algn="ctr"/>
+                  <a:endParaRPr lang="zh-TW" altLang="en-US"/>
+                </a:p>
+              </p:txBody>
+            </p:sp>
+            <p:sp>
+              <p:nvSpPr>
+                <p:cNvPr id="30" name="矩形 29"/>
+                <p:cNvSpPr/>
+                <p:nvPr/>
+              </p:nvSpPr>
+              <p:spPr>
+                <a:xfrm rot="662714">
+                  <a:off x="8420817" y="524107"/>
+                  <a:ext cx="134594" cy="79426"/>
+                </a:xfrm>
+                <a:prstGeom prst="rect">
+                  <a:avLst/>
+                </a:prstGeom>
+              </p:spPr>
+              <p:style>
+                <a:lnRef idx="2">
+                  <a:schemeClr val="dk1"/>
+                </a:lnRef>
+                <a:fillRef idx="1">
+                  <a:schemeClr val="lt1"/>
+                </a:fillRef>
+                <a:effectRef idx="0">
+                  <a:schemeClr val="dk1"/>
+                </a:effectRef>
+                <a:fontRef idx="minor">
+                  <a:schemeClr val="dk1"/>
+                </a:fontRef>
+              </p:style>
+              <p:txBody>
+                <a:bodyPr rtlCol="0" anchor="ctr"/>
+                <a:lstStyle/>
+                <a:p>
+                  <a:pPr algn="ctr"/>
+                  <a:endParaRPr lang="zh-TW" altLang="en-US"/>
+                </a:p>
+              </p:txBody>
+            </p:sp>
+          </p:grpSp>
+        </p:grpSp>
+        <p:grpSp>
+          <p:nvGrpSpPr>
+            <p:cNvPr id="38" name="组合 37"/>
+            <p:cNvGrpSpPr/>
+            <p:nvPr/>
+          </p:nvGrpSpPr>
+          <p:grpSpPr>
+            <a:xfrm flipH="1">
+              <a:off x="10795623" y="2308516"/>
+              <a:ext cx="316799" cy="366027"/>
+              <a:chOff x="6855080" y="531467"/>
+              <a:chExt cx="821696" cy="1148750"/>
+            </a:xfrm>
+            <a:noFill/>
+          </p:grpSpPr>
+          <p:sp>
+            <p:nvSpPr>
+              <p:cNvPr id="33" name="矩形 32"/>
+              <p:cNvSpPr/>
+              <p:nvPr/>
+            </p:nvSpPr>
+            <p:spPr>
+              <a:xfrm>
+                <a:off x="7026805" y="588502"/>
+                <a:ext cx="416363" cy="230891"/>
+              </a:xfrm>
+              <a:prstGeom prst="rect">
+                <a:avLst/>
+              </a:prstGeom>
+              <a:grpFill/>
+              <a:ln w="9525"/>
+            </p:spPr>
+            <p:style>
+              <a:lnRef idx="2">
+                <a:schemeClr val="dk1">
+                  <a:shade val="50000"/>
+                </a:schemeClr>
+              </a:lnRef>
+              <a:fillRef idx="1">
+                <a:schemeClr val="dk1"/>
+              </a:fillRef>
+              <a:effectRef idx="0">
+                <a:schemeClr val="dk1"/>
+              </a:effectRef>
+              <a:fontRef idx="minor">
+                <a:schemeClr val="lt1"/>
+              </a:fontRef>
+            </p:style>
+            <p:txBody>
+              <a:bodyPr rtlCol="0" anchor="ctr"/>
+              <a:lstStyle/>
+              <a:p>
+                <a:pPr algn="ctr"/>
+                <a:endParaRPr lang="zh-TW" altLang="en-US"/>
+              </a:p>
+            </p:txBody>
+          </p:sp>
+          <p:sp>
+            <p:nvSpPr>
+              <p:cNvPr id="34" name="弦形 33"/>
+              <p:cNvSpPr/>
+              <p:nvPr/>
+            </p:nvSpPr>
+            <p:spPr>
+              <a:xfrm>
+                <a:off x="6855080" y="542596"/>
+                <a:ext cx="291485" cy="335639"/>
+              </a:xfrm>
+              <a:prstGeom prst="chord">
+                <a:avLst>
+                  <a:gd name="adj1" fmla="val 5518622"/>
+                  <a:gd name="adj2" fmla="val 16200000"/>
+                </a:avLst>
+              </a:prstGeom>
+              <a:grpFill/>
+              <a:ln w="9525"/>
+            </p:spPr>
+            <p:style>
+              <a:lnRef idx="2">
+                <a:schemeClr val="dk1">
+                  <a:shade val="50000"/>
+                </a:schemeClr>
+              </a:lnRef>
+              <a:fillRef idx="1">
+                <a:schemeClr val="dk1"/>
+              </a:fillRef>
+              <a:effectRef idx="0">
+                <a:schemeClr val="dk1"/>
+              </a:effectRef>
+              <a:fontRef idx="minor">
+                <a:schemeClr val="lt1"/>
+              </a:fontRef>
+            </p:style>
+            <p:txBody>
+              <a:bodyPr rtlCol="0" anchor="ctr"/>
+              <a:lstStyle/>
+              <a:p>
+                <a:pPr algn="ctr"/>
+                <a:endParaRPr lang="zh-TW" altLang="en-US"/>
+              </a:p>
+            </p:txBody>
+          </p:sp>
+          <p:sp>
+            <p:nvSpPr>
+              <p:cNvPr id="35" name="减号 34"/>
+              <p:cNvSpPr/>
+              <p:nvPr/>
+            </p:nvSpPr>
+            <p:spPr>
+              <a:xfrm rot="5400000">
+                <a:off x="6756936" y="891243"/>
+                <a:ext cx="988194" cy="589753"/>
+              </a:xfrm>
+              <a:prstGeom prst="mathMinus">
+                <a:avLst/>
+              </a:prstGeom>
+              <a:grpFill/>
+              <a:ln w="9525"/>
+            </p:spPr>
+            <p:style>
+              <a:lnRef idx="2">
+                <a:schemeClr val="dk1">
+                  <a:shade val="50000"/>
+                </a:schemeClr>
+              </a:lnRef>
+              <a:fillRef idx="1">
+                <a:schemeClr val="dk1"/>
+              </a:fillRef>
+              <a:effectRef idx="0">
+                <a:schemeClr val="dk1"/>
+              </a:effectRef>
+              <a:fontRef idx="minor">
+                <a:schemeClr val="lt1"/>
+              </a:fontRef>
+            </p:style>
+            <p:txBody>
+              <a:bodyPr rtlCol="0" anchor="ctr"/>
+              <a:lstStyle/>
+              <a:p>
+                <a:pPr algn="ctr"/>
+                <a:endParaRPr lang="zh-TW" altLang="en-US"/>
+              </a:p>
+            </p:txBody>
+          </p:sp>
+          <p:sp>
+            <p:nvSpPr>
+              <p:cNvPr id="37" name="圆角矩形 36"/>
+              <p:cNvSpPr/>
+              <p:nvPr/>
+            </p:nvSpPr>
+            <p:spPr>
+              <a:xfrm>
+                <a:off x="7467599" y="531467"/>
+                <a:ext cx="209177" cy="331443"/>
+              </a:xfrm>
+              <a:prstGeom prst="roundRect">
+                <a:avLst/>
+              </a:prstGeom>
+              <a:grpFill/>
+              <a:ln w="9525"/>
+            </p:spPr>
+            <p:style>
+              <a:lnRef idx="2">
+                <a:schemeClr val="dk1">
+                  <a:shade val="50000"/>
+                </a:schemeClr>
+              </a:lnRef>
+              <a:fillRef idx="1">
+                <a:schemeClr val="dk1"/>
+              </a:fillRef>
+              <a:effectRef idx="0">
+                <a:schemeClr val="dk1"/>
+              </a:effectRef>
+              <a:fontRef idx="minor">
+                <a:schemeClr val="lt1"/>
+              </a:fontRef>
+            </p:style>
+            <p:txBody>
+              <a:bodyPr rtlCol="0" anchor="ctr"/>
+              <a:lstStyle/>
+              <a:p>
+                <a:pPr algn="ctr"/>
+                <a:endParaRPr lang="zh-TW" altLang="en-US"/>
+              </a:p>
+            </p:txBody>
+          </p:sp>
+        </p:grpSp>
+      </p:grpSp>
+    </p:spTree>
+    <p:extLst>
+      <p:ext uri="{BB962C8B-B14F-4D97-AF65-F5344CB8AC3E}">
+        <p14:creationId xmlns:p14="http://schemas.microsoft.com/office/powerpoint/2010/main" val="2550929173"/>
+      </p:ext>
+    </p:extLst>
+  </p:cSld>
+  <p:clrMapOvr>
+    <a:masterClrMapping/>
+  </p:clrMapOvr>
+  <p:timing>
+    <p:tnLst>
+      <p:par>
+        <p:cTn id="1" dur="indefinite" restart="never" nodeType="tmRoot"/>
+      </p:par>
+    </p:tnLst>
+  </p:timing>
+</p:sld>
+</file>
+
+<file path=ppt/slides/slide4.xml><?xml version="1.0" encoding="utf-8"?>
+<p:sld xmlns:a="http://schemas.openxmlformats.org/drawingml/2006/main" xmlns:r="http://schemas.openxmlformats.org/officeDocument/2006/relationships" xmlns:p="http://schemas.openxmlformats.org/presentationml/2006/main">
+  <p:cSld>
+    <p:spTree>
+      <p:nvGrpSpPr>
+        <p:cNvPr id="1" name=""/>
+        <p:cNvGrpSpPr/>
+        <p:nvPr/>
+      </p:nvGrpSpPr>
+      <p:grpSpPr>
+        <a:xfrm>
+          <a:off x="0" y="0"/>
+          <a:ext cx="0" cy="0"/>
+          <a:chOff x="0" y="0"/>
+          <a:chExt cx="0" cy="0"/>
+        </a:xfrm>
+      </p:grpSpPr>
+      <p:sp>
+        <p:nvSpPr>
+          <p:cNvPr id="2" name="标题 1"/>
+          <p:cNvSpPr>
+            <a:spLocks noGrp="1"/>
+          </p:cNvSpPr>
+          <p:nvPr>
+            <p:ph type="title"/>
           </p:nvPr>
         </p:nvSpPr>
         <p:spPr/>
@@ -4147,6 +5370,31 @@
           <a:bodyPr/>
           <a:lstStyle/>
           <a:p>
+            <a:r>
+              <a:rPr lang="en-US" altLang="zh-TW" dirty="0" smtClean="0"/>
+              <a:t>Basic Requirements</a:t>
+            </a:r>
+            <a:endParaRPr lang="zh-TW" altLang="en-US" dirty="0"/>
+          </a:p>
+        </p:txBody>
+      </p:sp>
+      <p:sp>
+        <p:nvSpPr>
+          <p:cNvPr id="3" name="内容占位符 2"/>
+          <p:cNvSpPr>
+            <a:spLocks noGrp="1"/>
+          </p:cNvSpPr>
+          <p:nvPr>
+            <p:ph idx="1"/>
+          </p:nvPr>
+        </p:nvSpPr>
+        <p:spPr/>
+        <p:txBody>
+          <a:bodyPr>
+            <a:normAutofit fontScale="92500" lnSpcReduction="10000"/>
+          </a:bodyPr>
+          <a:lstStyle/>
+          <a:p>
             <a:endParaRPr lang="en-US" altLang="zh-TW" dirty="0" smtClean="0"/>
           </a:p>
           <a:p>
@@ -4176,24 +5424,67 @@
           </a:p>
           <a:p>
             <a:r>
+              <a:rPr lang="en-US" altLang="zh-TW" dirty="0" smtClean="0"/>
+              <a:t>Host, Participant </a:t>
+            </a:r>
+            <a:r>
               <a:rPr lang="en-US" altLang="zh-TW" dirty="0"/>
-              <a:t>Participants and audience – participant can paint white board while audience can watch only. Up to 5 participants, 20 audience.</a:t>
-            </a:r>
-          </a:p>
-          <a:p>
-            <a:r>
-              <a:rPr lang="en-US" altLang="zh-TW" dirty="0" err="1"/>
-              <a:t>Realtiem</a:t>
+              <a:t>and </a:t>
+            </a:r>
+            <a:r>
+              <a:rPr lang="en-US" altLang="zh-TW" dirty="0" smtClean="0"/>
+              <a:t>Audience</a:t>
+            </a:r>
+          </a:p>
+          <a:p>
+            <a:pPr lvl="1"/>
+            <a:r>
+              <a:rPr lang="en-US" altLang="zh-TW" dirty="0" smtClean="0"/>
+              <a:t>Host – Hold major control, can </a:t>
+            </a:r>
+          </a:p>
+          <a:p>
+            <a:pPr lvl="1"/>
+            <a:r>
+              <a:rPr lang="en-US" altLang="zh-TW" dirty="0" smtClean="0"/>
+              <a:t>Participant – can use the whiteboard and edit his/her own drawings</a:t>
+            </a:r>
+          </a:p>
+          <a:p>
+            <a:pPr lvl="1"/>
+            <a:r>
+              <a:rPr lang="en-US" altLang="zh-TW" dirty="0" smtClean="0"/>
+              <a:t>Audience – watch only</a:t>
+            </a:r>
+            <a:endParaRPr lang="en-US" altLang="zh-TW" dirty="0"/>
+          </a:p>
+          <a:p>
+            <a:r>
+              <a:rPr lang="en-US" altLang="zh-TW" dirty="0" smtClean="0"/>
+              <a:t>Real-time / low latency</a:t>
+            </a:r>
+            <a:endParaRPr lang="en-US" altLang="zh-TW" dirty="0"/>
+          </a:p>
+          <a:p>
+            <a:r>
+              <a:rPr lang="zh-CN" altLang="en-US" dirty="0" smtClean="0"/>
+              <a:t>*</a:t>
+            </a:r>
+            <a:r>
+              <a:rPr lang="en-US" altLang="zh-TW" dirty="0" smtClean="0"/>
+              <a:t>Save </a:t>
+            </a:r>
+            <a:r>
+              <a:rPr lang="en-US" altLang="zh-TW" dirty="0" smtClean="0"/>
+              <a:t>(full log) </a:t>
+            </a:r>
+            <a:r>
+              <a:rPr lang="en-US" altLang="zh-TW" dirty="0" smtClean="0"/>
+              <a:t>&amp; </a:t>
             </a:r>
             <a:r>
               <a:rPr lang="en-US" altLang="zh-TW" dirty="0"/>
-              <a:t> and delay –</a:t>
-            </a:r>
-          </a:p>
-          <a:p>
-            <a:r>
-              <a:rPr lang="en-US" altLang="zh-TW" dirty="0"/>
-              <a:t>Save &amp; snapshot</a:t>
+              <a:t>snapshot</a:t>
             </a:r>
             <a:endParaRPr lang="zh-TW" altLang="en-US" dirty="0"/>
           </a:p>
@@ -4212,10 +5503,17 @@
   <p:clrMapOvr>
     <a:masterClrMapping/>
   </p:clrMapOvr>
+  <p:timing>
+    <p:tnLst>
+      <p:par>
+        <p:cTn id="1" dur="indefinite" restart="never" nodeType="tmRoot"/>
+      </p:par>
+    </p:tnLst>
+  </p:timing>
 </p:sld>
 </file>
 
-<file path=ppt/slides/slide4.xml><?xml version="1.0" encoding="utf-8"?>
+<file path=ppt/slides/slide5.xml><?xml version="1.0" encoding="utf-8"?>
 <p:sld xmlns:a="http://schemas.openxmlformats.org/drawingml/2006/main" xmlns:r="http://schemas.openxmlformats.org/officeDocument/2006/relationships" xmlns:p="http://schemas.openxmlformats.org/presentationml/2006/main">
   <p:cSld>
     <p:spTree>
@@ -4763,85 +6061,6 @@
 </p:sld>
 </file>
 
-<file path=ppt/slides/slide5.xml><?xml version="1.0" encoding="utf-8"?>
-<p:sld xmlns:a="http://schemas.openxmlformats.org/drawingml/2006/main" xmlns:r="http://schemas.openxmlformats.org/officeDocument/2006/relationships" xmlns:p="http://schemas.openxmlformats.org/presentationml/2006/main">
-  <p:cSld>
-    <p:spTree>
-      <p:nvGrpSpPr>
-        <p:cNvPr id="1" name=""/>
-        <p:cNvGrpSpPr/>
-        <p:nvPr/>
-      </p:nvGrpSpPr>
-      <p:grpSpPr>
-        <a:xfrm>
-          <a:off x="0" y="0"/>
-          <a:ext cx="0" cy="0"/>
-          <a:chOff x="0" y="0"/>
-          <a:chExt cx="0" cy="0"/>
-        </a:xfrm>
-      </p:grpSpPr>
-      <p:sp>
-        <p:nvSpPr>
-          <p:cNvPr id="2" name="标题 1"/>
-          <p:cNvSpPr>
-            <a:spLocks noGrp="1"/>
-          </p:cNvSpPr>
-          <p:nvPr>
-            <p:ph type="title"/>
-          </p:nvPr>
-        </p:nvSpPr>
-        <p:spPr/>
-        <p:txBody>
-          <a:bodyPr/>
-          <a:lstStyle/>
-          <a:p>
-            <a:r>
-              <a:rPr lang="en-US" altLang="zh-CN" dirty="0" smtClean="0"/>
-              <a:t>Drawing Area</a:t>
-            </a:r>
-            <a:endParaRPr lang="zh-TW" altLang="en-US" dirty="0"/>
-          </a:p>
-        </p:txBody>
-      </p:sp>
-      <p:sp>
-        <p:nvSpPr>
-          <p:cNvPr id="3" name="内容占位符 2"/>
-          <p:cNvSpPr>
-            <a:spLocks noGrp="1"/>
-          </p:cNvSpPr>
-          <p:nvPr>
-            <p:ph idx="1"/>
-          </p:nvPr>
-        </p:nvSpPr>
-        <p:spPr/>
-        <p:txBody>
-          <a:bodyPr/>
-          <a:lstStyle/>
-          <a:p>
-            <a:endParaRPr lang="zh-TW" altLang="en-US"/>
-          </a:p>
-        </p:txBody>
-      </p:sp>
-    </p:spTree>
-    <p:extLst>
-      <p:ext uri="{BB962C8B-B14F-4D97-AF65-F5344CB8AC3E}">
-        <p14:creationId xmlns:p14="http://schemas.microsoft.com/office/powerpoint/2010/main" val="2772250156"/>
-      </p:ext>
-    </p:extLst>
-  </p:cSld>
-  <p:clrMapOvr>
-    <a:masterClrMapping/>
-  </p:clrMapOvr>
-  <p:timing>
-    <p:tnLst>
-      <p:par>
-        <p:cTn id="1" dur="indefinite" restart="never" nodeType="tmRoot"/>
-      </p:par>
-    </p:tnLst>
-  </p:timing>
-</p:sld>
-</file>
-
 <file path=ppt/slides/slide6.xml><?xml version="1.0" encoding="utf-8"?>
 <p:sld xmlns:a="http://schemas.openxmlformats.org/drawingml/2006/main" xmlns:r="http://schemas.openxmlformats.org/officeDocument/2006/relationships" xmlns:p="http://schemas.openxmlformats.org/presentationml/2006/main">
   <p:cSld>
@@ -4875,8 +6094,8 @@
           <a:lstStyle/>
           <a:p>
             <a:r>
-              <a:rPr lang="en-US" altLang="zh-TW" dirty="0" smtClean="0"/>
-              <a:t>Full View Window</a:t>
+              <a:rPr lang="en-US" altLang="zh-CN" dirty="0" smtClean="0"/>
+              <a:t>Drawing Area</a:t>
             </a:r>
             <a:endParaRPr lang="zh-TW" altLang="en-US" dirty="0"/>
           </a:p>
@@ -4897,38 +6116,14 @@
           <a:bodyPr/>
           <a:lstStyle/>
           <a:p>
-            <a:r>
-              <a:rPr lang="en-US" altLang="zh-CN" dirty="0" smtClean="0"/>
-              <a:t>Only displayed  when zoom rate &gt; 120% (Default, adjustable in settings and saved in cookie)</a:t>
-            </a:r>
-          </a:p>
-          <a:p>
-            <a:r>
-              <a:rPr lang="en-US" altLang="zh-CN" dirty="0" smtClean="0"/>
-              <a:t>Default size is 1/8 width and height of drawing area and can be resize up to 1/4 width and height, ratio cannot be changed.</a:t>
-            </a:r>
-          </a:p>
-          <a:p>
-            <a:r>
-              <a:rPr lang="en-US" altLang="zh-CN" dirty="0" smtClean="0"/>
-              <a:t>Default on the top-left corner, can be dragged to any other place within the drawing area and will stick to the corner or side of drawing area when it reach or close to the corner or side of drawing area.</a:t>
-            </a:r>
-          </a:p>
-          <a:p>
-            <a:r>
-              <a:rPr lang="en-US" altLang="zh-CN" dirty="0" smtClean="0"/>
-              <a:t>Double click will release full view window and set zoom rate to 100%.</a:t>
-            </a:r>
-          </a:p>
-          <a:p>
-            <a:endParaRPr lang="zh-TW" altLang="en-US" dirty="0"/>
+            <a:endParaRPr lang="zh-TW" altLang="en-US"/>
           </a:p>
         </p:txBody>
       </p:sp>
     </p:spTree>
     <p:extLst>
       <p:ext uri="{BB962C8B-B14F-4D97-AF65-F5344CB8AC3E}">
-        <p14:creationId xmlns:p14="http://schemas.microsoft.com/office/powerpoint/2010/main" val="3112936456"/>
+        <p14:creationId xmlns:p14="http://schemas.microsoft.com/office/powerpoint/2010/main" val="2772250156"/>
       </p:ext>
     </p:extLst>
   </p:cSld>
@@ -4979,6 +6174,109 @@
           <a:p>
             <a:r>
               <a:rPr lang="en-US" altLang="zh-TW" dirty="0" smtClean="0"/>
+              <a:t>Full View Window</a:t>
+            </a:r>
+            <a:endParaRPr lang="zh-TW" altLang="en-US" dirty="0"/>
+          </a:p>
+        </p:txBody>
+      </p:sp>
+      <p:sp>
+        <p:nvSpPr>
+          <p:cNvPr id="3" name="内容占位符 2"/>
+          <p:cNvSpPr>
+            <a:spLocks noGrp="1"/>
+          </p:cNvSpPr>
+          <p:nvPr>
+            <p:ph idx="1"/>
+          </p:nvPr>
+        </p:nvSpPr>
+        <p:spPr/>
+        <p:txBody>
+          <a:bodyPr/>
+          <a:lstStyle/>
+          <a:p>
+            <a:r>
+              <a:rPr lang="en-US" altLang="zh-CN" dirty="0" smtClean="0"/>
+              <a:t>Only displayed  when zoom rate &gt; 120% (Default, adjustable in settings and saved in cookie)</a:t>
+            </a:r>
+          </a:p>
+          <a:p>
+            <a:r>
+              <a:rPr lang="en-US" altLang="zh-CN" dirty="0" smtClean="0"/>
+              <a:t>Default size is 1/8 width and height of drawing area and can be resize up to 1/4 width and height, ratio cannot be changed.</a:t>
+            </a:r>
+          </a:p>
+          <a:p>
+            <a:r>
+              <a:rPr lang="en-US" altLang="zh-CN" dirty="0" smtClean="0"/>
+              <a:t>Default on the top-left corner, can be dragged to any other place within the drawing area and will stick to the corner or side of drawing area when it reach or close to the corner or side of drawing area.</a:t>
+            </a:r>
+          </a:p>
+          <a:p>
+            <a:r>
+              <a:rPr lang="en-US" altLang="zh-CN" dirty="0" smtClean="0"/>
+              <a:t>Double click will release full view window and set zoom rate to 100%.</a:t>
+            </a:r>
+          </a:p>
+          <a:p>
+            <a:endParaRPr lang="zh-TW" altLang="en-US" dirty="0"/>
+          </a:p>
+        </p:txBody>
+      </p:sp>
+    </p:spTree>
+    <p:extLst>
+      <p:ext uri="{BB962C8B-B14F-4D97-AF65-F5344CB8AC3E}">
+        <p14:creationId xmlns:p14="http://schemas.microsoft.com/office/powerpoint/2010/main" val="3112936456"/>
+      </p:ext>
+    </p:extLst>
+  </p:cSld>
+  <p:clrMapOvr>
+    <a:masterClrMapping/>
+  </p:clrMapOvr>
+  <p:timing>
+    <p:tnLst>
+      <p:par>
+        <p:cTn id="1" dur="indefinite" restart="never" nodeType="tmRoot"/>
+      </p:par>
+    </p:tnLst>
+  </p:timing>
+</p:sld>
+</file>
+
+<file path=ppt/slides/slide8.xml><?xml version="1.0" encoding="utf-8"?>
+<p:sld xmlns:a="http://schemas.openxmlformats.org/drawingml/2006/main" xmlns:r="http://schemas.openxmlformats.org/officeDocument/2006/relationships" xmlns:p="http://schemas.openxmlformats.org/presentationml/2006/main">
+  <p:cSld>
+    <p:spTree>
+      <p:nvGrpSpPr>
+        <p:cNvPr id="1" name=""/>
+        <p:cNvGrpSpPr/>
+        <p:nvPr/>
+      </p:nvGrpSpPr>
+      <p:grpSpPr>
+        <a:xfrm>
+          <a:off x="0" y="0"/>
+          <a:ext cx="0" cy="0"/>
+          <a:chOff x="0" y="0"/>
+          <a:chExt cx="0" cy="0"/>
+        </a:xfrm>
+      </p:grpSpPr>
+      <p:sp>
+        <p:nvSpPr>
+          <p:cNvPr id="2" name="标题 1"/>
+          <p:cNvSpPr>
+            <a:spLocks noGrp="1"/>
+          </p:cNvSpPr>
+          <p:nvPr>
+            <p:ph type="title"/>
+          </p:nvPr>
+        </p:nvSpPr>
+        <p:spPr/>
+        <p:txBody>
+          <a:bodyPr/>
+          <a:lstStyle/>
+          <a:p>
+            <a:r>
+              <a:rPr lang="en-US" altLang="zh-TW" dirty="0" smtClean="0"/>
               <a:t>Zoom Slider</a:t>
             </a:r>
             <a:endParaRPr lang="zh-TW" altLang="en-US" dirty="0"/>
@@ -5024,7 +6322,7 @@
 </p:sld>
 </file>
 
-<file path=ppt/slides/slide8.xml><?xml version="1.0" encoding="utf-8"?>
+<file path=ppt/slides/slide9.xml><?xml version="1.0" encoding="utf-8"?>
 <p:sld xmlns:a="http://schemas.openxmlformats.org/drawingml/2006/main" xmlns:r="http://schemas.openxmlformats.org/officeDocument/2006/relationships" xmlns:p="http://schemas.openxmlformats.org/presentationml/2006/main">
   <p:cSld>
     <p:spTree>
@@ -8076,93 +9374,6 @@
 </p:sld>
 </file>
 
-<file path=ppt/slides/slide9.xml><?xml version="1.0" encoding="utf-8"?>
-<p:sld xmlns:a="http://schemas.openxmlformats.org/drawingml/2006/main" xmlns:r="http://schemas.openxmlformats.org/officeDocument/2006/relationships" xmlns:p="http://schemas.openxmlformats.org/presentationml/2006/main">
-  <p:cSld>
-    <p:spTree>
-      <p:nvGrpSpPr>
-        <p:cNvPr id="1" name=""/>
-        <p:cNvGrpSpPr/>
-        <p:nvPr/>
-      </p:nvGrpSpPr>
-      <p:grpSpPr>
-        <a:xfrm>
-          <a:off x="0" y="0"/>
-          <a:ext cx="0" cy="0"/>
-          <a:chOff x="0" y="0"/>
-          <a:chExt cx="0" cy="0"/>
-        </a:xfrm>
-      </p:grpSpPr>
-      <p:sp>
-        <p:nvSpPr>
-          <p:cNvPr id="2" name="标题 1"/>
-          <p:cNvSpPr>
-            <a:spLocks noGrp="1"/>
-          </p:cNvSpPr>
-          <p:nvPr>
-            <p:ph type="title"/>
-          </p:nvPr>
-        </p:nvSpPr>
-        <p:spPr/>
-        <p:txBody>
-          <a:bodyPr/>
-          <a:lstStyle/>
-          <a:p>
-            <a:r>
-              <a:rPr lang="en-US" altLang="zh-TW" dirty="0" smtClean="0"/>
-              <a:t>Layers and Drawing </a:t>
-            </a:r>
-            <a:r>
-              <a:rPr lang="en-US" altLang="zh-TW" dirty="0"/>
-              <a:t>D</a:t>
-            </a:r>
-            <a:r>
-              <a:rPr lang="en-US" altLang="zh-TW" dirty="0" smtClean="0"/>
-              <a:t>ata Expression and Log</a:t>
-            </a:r>
-            <a:endParaRPr lang="zh-TW" altLang="en-US" dirty="0"/>
-          </a:p>
-        </p:txBody>
-      </p:sp>
-      <p:sp>
-        <p:nvSpPr>
-          <p:cNvPr id="3" name="内容占位符 2"/>
-          <p:cNvSpPr>
-            <a:spLocks noGrp="1"/>
-          </p:cNvSpPr>
-          <p:nvPr>
-            <p:ph idx="1"/>
-          </p:nvPr>
-        </p:nvSpPr>
-        <p:spPr/>
-        <p:txBody>
-          <a:bodyPr/>
-          <a:lstStyle/>
-          <a:p>
-            <a:endParaRPr lang="zh-TW" altLang="en-US"/>
-          </a:p>
-        </p:txBody>
-      </p:sp>
-    </p:spTree>
-    <p:extLst>
-      <p:ext uri="{BB962C8B-B14F-4D97-AF65-F5344CB8AC3E}">
-        <p14:creationId xmlns:p14="http://schemas.microsoft.com/office/powerpoint/2010/main" val="22810604"/>
-      </p:ext>
-    </p:extLst>
-  </p:cSld>
-  <p:clrMapOvr>
-    <a:masterClrMapping/>
-  </p:clrMapOvr>
-  <p:timing>
-    <p:tnLst>
-      <p:par>
-        <p:cTn id="1" dur="indefinite" restart="never" nodeType="tmRoot"/>
-      </p:par>
-    </p:tnLst>
-  </p:timing>
-</p:sld>
-</file>
-
 <file path=ppt/theme/theme1.xml><?xml version="1.0" encoding="utf-8"?>
 <a:theme xmlns:a="http://schemas.openxmlformats.org/drawingml/2006/main" name="Office 主题">
   <a:themeElements>

--- a/doc/Design Note - Teleboard.pptx
+++ b/doc/Design Note - Teleboard.pptx
@@ -260,7 +260,7 @@
           <a:p>
             <a:fld id="{436FB6E3-5D8B-406C-9076-B29BD2B6DA25}" type="datetimeFigureOut">
               <a:rPr lang="zh-TW" altLang="en-US" smtClean="0"/>
-              <a:t>2015/9/30</a:t>
+              <a:t>2015/10/3</a:t>
             </a:fld>
             <a:endParaRPr lang="zh-TW" altLang="en-US"/>
           </a:p>
@@ -430,7 +430,7 @@
           <a:p>
             <a:fld id="{436FB6E3-5D8B-406C-9076-B29BD2B6DA25}" type="datetimeFigureOut">
               <a:rPr lang="zh-TW" altLang="en-US" smtClean="0"/>
-              <a:t>2015/9/30</a:t>
+              <a:t>2015/10/3</a:t>
             </a:fld>
             <a:endParaRPr lang="zh-TW" altLang="en-US"/>
           </a:p>
@@ -610,7 +610,7 @@
           <a:p>
             <a:fld id="{436FB6E3-5D8B-406C-9076-B29BD2B6DA25}" type="datetimeFigureOut">
               <a:rPr lang="zh-TW" altLang="en-US" smtClean="0"/>
-              <a:t>2015/9/30</a:t>
+              <a:t>2015/10/3</a:t>
             </a:fld>
             <a:endParaRPr lang="zh-TW" altLang="en-US"/>
           </a:p>
@@ -780,7 +780,7 @@
           <a:p>
             <a:fld id="{436FB6E3-5D8B-406C-9076-B29BD2B6DA25}" type="datetimeFigureOut">
               <a:rPr lang="zh-TW" altLang="en-US" smtClean="0"/>
-              <a:t>2015/9/30</a:t>
+              <a:t>2015/10/3</a:t>
             </a:fld>
             <a:endParaRPr lang="zh-TW" altLang="en-US"/>
           </a:p>
@@ -1026,7 +1026,7 @@
           <a:p>
             <a:fld id="{436FB6E3-5D8B-406C-9076-B29BD2B6DA25}" type="datetimeFigureOut">
               <a:rPr lang="zh-TW" altLang="en-US" smtClean="0"/>
-              <a:t>2015/9/30</a:t>
+              <a:t>2015/10/3</a:t>
             </a:fld>
             <a:endParaRPr lang="zh-TW" altLang="en-US"/>
           </a:p>
@@ -1258,7 +1258,7 @@
           <a:p>
             <a:fld id="{436FB6E3-5D8B-406C-9076-B29BD2B6DA25}" type="datetimeFigureOut">
               <a:rPr lang="zh-TW" altLang="en-US" smtClean="0"/>
-              <a:t>2015/9/30</a:t>
+              <a:t>2015/10/3</a:t>
             </a:fld>
             <a:endParaRPr lang="zh-TW" altLang="en-US"/>
           </a:p>
@@ -1625,7 +1625,7 @@
           <a:p>
             <a:fld id="{436FB6E3-5D8B-406C-9076-B29BD2B6DA25}" type="datetimeFigureOut">
               <a:rPr lang="zh-TW" altLang="en-US" smtClean="0"/>
-              <a:t>2015/9/30</a:t>
+              <a:t>2015/10/3</a:t>
             </a:fld>
             <a:endParaRPr lang="zh-TW" altLang="en-US"/>
           </a:p>
@@ -1743,7 +1743,7 @@
           <a:p>
             <a:fld id="{436FB6E3-5D8B-406C-9076-B29BD2B6DA25}" type="datetimeFigureOut">
               <a:rPr lang="zh-TW" altLang="en-US" smtClean="0"/>
-              <a:t>2015/9/30</a:t>
+              <a:t>2015/10/3</a:t>
             </a:fld>
             <a:endParaRPr lang="zh-TW" altLang="en-US"/>
           </a:p>
@@ -1838,7 +1838,7 @@
           <a:p>
             <a:fld id="{436FB6E3-5D8B-406C-9076-B29BD2B6DA25}" type="datetimeFigureOut">
               <a:rPr lang="zh-TW" altLang="en-US" smtClean="0"/>
-              <a:t>2015/9/30</a:t>
+              <a:t>2015/10/3</a:t>
             </a:fld>
             <a:endParaRPr lang="zh-TW" altLang="en-US"/>
           </a:p>
@@ -2115,7 +2115,7 @@
           <a:p>
             <a:fld id="{436FB6E3-5D8B-406C-9076-B29BD2B6DA25}" type="datetimeFigureOut">
               <a:rPr lang="zh-TW" altLang="en-US" smtClean="0"/>
-              <a:t>2015/9/30</a:t>
+              <a:t>2015/10/3</a:t>
             </a:fld>
             <a:endParaRPr lang="zh-TW" altLang="en-US"/>
           </a:p>
@@ -2368,7 +2368,7 @@
           <a:p>
             <a:fld id="{436FB6E3-5D8B-406C-9076-B29BD2B6DA25}" type="datetimeFigureOut">
               <a:rPr lang="zh-TW" altLang="en-US" smtClean="0"/>
-              <a:t>2015/9/30</a:t>
+              <a:t>2015/10/3</a:t>
             </a:fld>
             <a:endParaRPr lang="zh-TW" altLang="en-US"/>
           </a:p>
@@ -2581,7 +2581,7 @@
           <a:p>
             <a:fld id="{436FB6E3-5D8B-406C-9076-B29BD2B6DA25}" type="datetimeFigureOut">
               <a:rPr lang="zh-TW" altLang="en-US" smtClean="0"/>
-              <a:t>2015/9/30</a:t>
+              <a:t>2015/10/3</a:t>
             </a:fld>
             <a:endParaRPr lang="zh-TW" altLang="en-US"/>
           </a:p>
@@ -4137,23 +4137,11 @@
             </a:r>
             <a:r>
               <a:rPr lang="en-US" altLang="zh-TW" dirty="0" smtClean="0"/>
-              <a:t>is a website project to provide web based conference room application </a:t>
-            </a:r>
-            <a:r>
-              <a:rPr lang="en-US" altLang="zh-TW" dirty="0" smtClean="0"/>
-              <a:t>to </a:t>
-            </a:r>
-            <a:r>
-              <a:rPr lang="en-US" altLang="zh-TW" dirty="0" smtClean="0"/>
-              <a:t>serve the increasing distributed communication </a:t>
+              <a:t>is a website project to provide web based conference room application to serve the increasing distributed communication </a:t>
             </a:r>
             <a:r>
               <a:rPr lang="en-US" altLang="zh-TW" smtClean="0"/>
-              <a:t>need</a:t>
-            </a:r>
-            <a:r>
-              <a:rPr lang="en-US" altLang="zh-TW" smtClean="0"/>
-              <a:t>.</a:t>
+              <a:t>need.</a:t>
             </a:r>
             <a:endParaRPr lang="en-US" altLang="zh-TW" dirty="0" smtClean="0"/>
           </a:p>
@@ -5472,15 +5460,7 @@
             </a:r>
             <a:r>
               <a:rPr lang="en-US" altLang="zh-TW" dirty="0" smtClean="0"/>
-              <a:t>Save </a:t>
-            </a:r>
-            <a:r>
-              <a:rPr lang="en-US" altLang="zh-TW" dirty="0" smtClean="0"/>
-              <a:t>(full log) </a:t>
-            </a:r>
-            <a:r>
-              <a:rPr lang="en-US" altLang="zh-TW" dirty="0" smtClean="0"/>
-              <a:t>&amp; </a:t>
+              <a:t>Save (full log) &amp; </a:t>
             </a:r>
             <a:r>
               <a:rPr lang="en-US" altLang="zh-TW" dirty="0"/>
